--- a/FishdomDEFI.pptx
+++ b/FishdomDEFI.pptx
@@ -7,7 +7,7 @@
     <p:sldMasterId id="2147483673" r:id="rId3"/>
   </p:sldMasterIdLst>
   <p:notesMasterIdLst>
-    <p:notesMasterId r:id="rId16"/>
+    <p:notesMasterId r:id="rId24"/>
   </p:notesMasterIdLst>
   <p:sldIdLst>
     <p:sldId id="356" r:id="rId4"/>
@@ -21,7 +21,15 @@
     <p:sldId id="358" r:id="rId12"/>
     <p:sldId id="359" r:id="rId13"/>
     <p:sldId id="360" r:id="rId14"/>
-    <p:sldId id="346" r:id="rId15"/>
+    <p:sldId id="362" r:id="rId15"/>
+    <p:sldId id="363" r:id="rId16"/>
+    <p:sldId id="364" r:id="rId17"/>
+    <p:sldId id="365" r:id="rId18"/>
+    <p:sldId id="366" r:id="rId19"/>
+    <p:sldId id="367" r:id="rId20"/>
+    <p:sldId id="368" r:id="rId21"/>
+    <p:sldId id="369" r:id="rId22"/>
+    <p:sldId id="346" r:id="rId23"/>
   </p:sldIdLst>
   <p:sldSz cx="12192000" cy="6858000"/>
   <p:notesSz cx="6858000" cy="9144000"/>
@@ -221,7 +229,7 @@
           <a:p>
             <a:fld id="{4AAAF045-FEF6-43EA-9CDC-C84FC3F85E9C}" type="datetimeFigureOut">
               <a:rPr lang="en-US" smtClean="0"/>
-              <a:t>1/31/2023</a:t>
+              <a:t>2/7/2023</a:t>
             </a:fld>
             <a:endParaRPr lang="en-US"/>
           </a:p>
@@ -4768,7 +4776,7 @@
           <a:p>
             <a:pPr algn="ctr"/>
             <a:r>
-              <a:rPr lang="en-US" sz="5400" b="1">
+              <a:rPr lang="en-US" sz="5400" b="1" dirty="0">
                 <a:solidFill>
                   <a:schemeClr val="bg1"/>
                 </a:solidFill>
@@ -4816,7 +4824,7 @@
           <a:p>
             <a:pPr algn="ctr"/>
             <a:r>
-              <a:rPr lang="en-US" altLang="ko-KR" sz="1867">
+              <a:rPr lang="en-US" altLang="ko-KR" sz="1867" dirty="0">
                 <a:solidFill>
                   <a:schemeClr val="bg1"/>
                 </a:solidFill>
@@ -4863,7 +4871,7 @@
           <a:p>
             <a:pPr algn="r"/>
             <a:r>
-              <a:rPr lang="en-US">
+              <a:rPr lang="en-US" dirty="0" err="1">
                 <a:solidFill>
                   <a:schemeClr val="bg1"/>
                 </a:solidFill>
@@ -5029,7 +5037,7 @@
           <a:p>
             <a:r>
               <a:rPr lang="en-US"/>
-              <a:t>Sàn giao dịch</a:t>
+              <a:t>Sàn gửi tiết kiệm</a:t>
             </a:r>
             <a:endParaRPr lang="en-US" dirty="0"/>
           </a:p>
@@ -5049,8 +5057,8 @@
         </p:nvSpPr>
         <p:spPr>
           <a:xfrm>
-            <a:off x="564776" y="2411506"/>
-            <a:ext cx="5818094" cy="1477328"/>
+            <a:off x="502024" y="1407459"/>
+            <a:ext cx="5818094" cy="1200329"/>
           </a:xfrm>
           <a:prstGeom prst="rect">
             <a:avLst/>
@@ -5069,7 +5077,7 @@
             </a:pPr>
             <a:r>
               <a:rPr lang="en-US"/>
-              <a:t>Fishdom Fish được phát triển theo chuẩn ERC721 (Upgradeable), là vật phẩm chính dùng trong Game.</a:t>
+              <a:t>Fishdom Staking là sàn gửi tiết kiệm với đa dạng những hạn mức lãi suất</a:t>
             </a:r>
           </a:p>
           <a:p>
@@ -5079,28 +5087,17 @@
             </a:pPr>
             <a:r>
               <a:rPr lang="en-US"/>
-              <a:t>Không giới hạn tổng cung.</a:t>
+              <a:t>Người dùng có thể rút hoặc huỷ gói tiết kiệm bất cứ lúc nào</a:t>
             </a:r>
-          </a:p>
-          <a:p>
-            <a:pPr marL="285750" indent="-285750">
-              <a:buFontTx/>
-              <a:buChar char="-"/>
-            </a:pPr>
-            <a:r>
-              <a:rPr lang="en-US"/>
-              <a:t>Chức năng: Dùng để chơi kiếm Point quy đổi ra FDT.</a:t>
-            </a:r>
-            <a:endParaRPr lang="vi-VN"/>
           </a:p>
         </p:txBody>
       </p:sp>
       <p:pic>
         <p:nvPicPr>
-          <p:cNvPr id="3" name="Picture 2">
+          <p:cNvPr id="4" name="Picture 3">
             <a:extLst>
               <a:ext uri="{FF2B5EF4-FFF2-40B4-BE49-F238E27FC236}">
-                <a16:creationId xmlns:a16="http://schemas.microsoft.com/office/drawing/2014/main" id="{88E96088-1F8D-4840-9614-9DA82ECC7848}"/>
+                <a16:creationId xmlns:a16="http://schemas.microsoft.com/office/drawing/2014/main" id="{F7A1058F-62F5-476F-ACBC-9638D1B7BF94}"/>
               </a:ext>
             </a:extLst>
           </p:cNvPr>
@@ -5117,8 +5114,38 @@
         </p:blipFill>
         <p:spPr>
           <a:xfrm>
-            <a:off x="6911786" y="1304404"/>
-            <a:ext cx="4895291" cy="5214087"/>
+            <a:off x="7042365" y="1138952"/>
+            <a:ext cx="4854361" cy="5494496"/>
+          </a:xfrm>
+          <a:prstGeom prst="rect">
+            <a:avLst/>
+          </a:prstGeom>
+        </p:spPr>
+      </p:pic>
+      <p:pic>
+        <p:nvPicPr>
+          <p:cNvPr id="8" name="Picture 7">
+            <a:extLst>
+              <a:ext uri="{FF2B5EF4-FFF2-40B4-BE49-F238E27FC236}">
+                <a16:creationId xmlns:a16="http://schemas.microsoft.com/office/drawing/2014/main" id="{0E96AAFD-A0EF-44AB-92DA-973BB8E62DCE}"/>
+              </a:ext>
+            </a:extLst>
+          </p:cNvPr>
+          <p:cNvPicPr>
+            <a:picLocks noChangeAspect="1"/>
+          </p:cNvPicPr>
+          <p:nvPr/>
+        </p:nvPicPr>
+        <p:blipFill>
+          <a:blip r:embed="rId3"/>
+          <a:stretch>
+            <a:fillRect/>
+          </a:stretch>
+        </p:blipFill>
+        <p:spPr>
+          <a:xfrm>
+            <a:off x="1184141" y="3133165"/>
+            <a:ext cx="4557813" cy="3282376"/>
           </a:xfrm>
           <a:prstGeom prst="rect">
             <a:avLst/>
@@ -5135,6 +5162,127 @@
   <p:clrMapOvr>
     <a:masterClrMapping/>
   </p:clrMapOvr>
+  <p:timing>
+    <p:tnLst>
+      <p:par>
+        <p:cTn id="1" dur="indefinite" restart="never" nodeType="tmRoot">
+          <p:childTnLst>
+            <p:seq concurrent="1" nextAc="seek">
+              <p:cTn id="2" dur="indefinite" nodeType="mainSeq">
+                <p:childTnLst>
+                  <p:par>
+                    <p:cTn id="3" fill="hold">
+                      <p:stCondLst>
+                        <p:cond delay="indefinite"/>
+                      </p:stCondLst>
+                      <p:childTnLst>
+                        <p:par>
+                          <p:cTn id="4" fill="hold">
+                            <p:stCondLst>
+                              <p:cond delay="0"/>
+                            </p:stCondLst>
+                            <p:childTnLst>
+                              <p:par>
+                                <p:cTn id="5" presetID="2" presetClass="entr" presetSubtype="4" fill="hold" nodeType="clickEffect">
+                                  <p:stCondLst>
+                                    <p:cond delay="0"/>
+                                  </p:stCondLst>
+                                  <p:childTnLst>
+                                    <p:set>
+                                      <p:cBhvr>
+                                        <p:cTn id="6" dur="1" fill="hold">
+                                          <p:stCondLst>
+                                            <p:cond delay="0"/>
+                                          </p:stCondLst>
+                                        </p:cTn>
+                                        <p:tgtEl>
+                                          <p:spTgt spid="8"/>
+                                        </p:tgtEl>
+                                        <p:attrNameLst>
+                                          <p:attrName>style.visibility</p:attrName>
+                                        </p:attrNameLst>
+                                      </p:cBhvr>
+                                      <p:to>
+                                        <p:strVal val="visible"/>
+                                      </p:to>
+                                    </p:set>
+                                    <p:anim calcmode="lin" valueType="num">
+                                      <p:cBhvr additive="base">
+                                        <p:cTn id="7" dur="500" fill="hold"/>
+                                        <p:tgtEl>
+                                          <p:spTgt spid="8"/>
+                                        </p:tgtEl>
+                                        <p:attrNameLst>
+                                          <p:attrName>ppt_x</p:attrName>
+                                        </p:attrNameLst>
+                                      </p:cBhvr>
+                                      <p:tavLst>
+                                        <p:tav tm="0">
+                                          <p:val>
+                                            <p:strVal val="#ppt_x"/>
+                                          </p:val>
+                                        </p:tav>
+                                        <p:tav tm="100000">
+                                          <p:val>
+                                            <p:strVal val="#ppt_x"/>
+                                          </p:val>
+                                        </p:tav>
+                                      </p:tavLst>
+                                    </p:anim>
+                                    <p:anim calcmode="lin" valueType="num">
+                                      <p:cBhvr additive="base">
+                                        <p:cTn id="8" dur="500" fill="hold"/>
+                                        <p:tgtEl>
+                                          <p:spTgt spid="8"/>
+                                        </p:tgtEl>
+                                        <p:attrNameLst>
+                                          <p:attrName>ppt_y</p:attrName>
+                                        </p:attrNameLst>
+                                      </p:cBhvr>
+                                      <p:tavLst>
+                                        <p:tav tm="0">
+                                          <p:val>
+                                            <p:strVal val="1+#ppt_h/2"/>
+                                          </p:val>
+                                        </p:tav>
+                                        <p:tav tm="100000">
+                                          <p:val>
+                                            <p:strVal val="#ppt_y"/>
+                                          </p:val>
+                                        </p:tav>
+                                      </p:tavLst>
+                                    </p:anim>
+                                  </p:childTnLst>
+                                </p:cTn>
+                              </p:par>
+                            </p:childTnLst>
+                          </p:cTn>
+                        </p:par>
+                      </p:childTnLst>
+                    </p:cTn>
+                  </p:par>
+                </p:childTnLst>
+              </p:cTn>
+              <p:prevCondLst>
+                <p:cond evt="onPrev" delay="0">
+                  <p:tgtEl>
+                    <p:sldTgt/>
+                  </p:tgtEl>
+                </p:cond>
+              </p:prevCondLst>
+              <p:nextCondLst>
+                <p:cond evt="onNext" delay="0">
+                  <p:tgtEl>
+                    <p:sldTgt/>
+                  </p:tgtEl>
+                </p:cond>
+              </p:nextCondLst>
+            </p:seq>
+          </p:childTnLst>
+        </p:cTn>
+      </p:par>
+    </p:tnLst>
+  </p:timing>
 </p:sld>
 </file>
 
@@ -5157,10 +5305,39 @@
       </p:grpSpPr>
       <p:sp>
         <p:nvSpPr>
-          <p:cNvPr id="4" name="TextBox 3">
+          <p:cNvPr id="5" name="Text Placeholder 4">
             <a:extLst>
               <a:ext uri="{FF2B5EF4-FFF2-40B4-BE49-F238E27FC236}">
-                <a16:creationId xmlns:a16="http://schemas.microsoft.com/office/drawing/2014/main" id="{1DF8EF26-7AD5-4E7F-95B3-9A57CF80C483}"/>
+                <a16:creationId xmlns:a16="http://schemas.microsoft.com/office/drawing/2014/main" id="{6AEFF686-B726-4D43-98FE-99CEE801585F}"/>
+              </a:ext>
+            </a:extLst>
+          </p:cNvPr>
+          <p:cNvSpPr>
+            <a:spLocks noGrp="1"/>
+          </p:cNvSpPr>
+          <p:nvPr>
+            <p:ph type="body" sz="quarter" idx="10"/>
+          </p:nvPr>
+        </p:nvSpPr>
+        <p:spPr/>
+        <p:txBody>
+          <a:bodyPr/>
+          <a:lstStyle/>
+          <a:p>
+            <a:r>
+              <a:rPr lang="en-US"/>
+              <a:t>Sàn gửi tiết kiệm</a:t>
+            </a:r>
+            <a:endParaRPr lang="en-US" dirty="0"/>
+          </a:p>
+        </p:txBody>
+      </p:sp>
+      <p:sp>
+        <p:nvSpPr>
+          <p:cNvPr id="7" name="TextBox 6">
+            <a:extLst>
+              <a:ext uri="{FF2B5EF4-FFF2-40B4-BE49-F238E27FC236}">
+                <a16:creationId xmlns:a16="http://schemas.microsoft.com/office/drawing/2014/main" id="{1ABD9EAF-A9F9-4316-AD0E-7E9D6864B3F3}"/>
               </a:ext>
             </a:extLst>
           </p:cNvPr>
@@ -5169,8 +5346,1242 @@
         </p:nvSpPr>
         <p:spPr>
           <a:xfrm>
-            <a:off x="1" y="4609981"/>
-            <a:ext cx="12191999" cy="1015663"/>
+            <a:off x="797859" y="2254092"/>
+            <a:ext cx="5818094" cy="646331"/>
+          </a:xfrm>
+          <a:prstGeom prst="rect">
+            <a:avLst/>
+          </a:prstGeom>
+          <a:noFill/>
+        </p:spPr>
+        <p:txBody>
+          <a:bodyPr wrap="square" rtlCol="0">
+            <a:spAutoFit/>
+          </a:bodyPr>
+          <a:lstStyle/>
+          <a:p>
+            <a:pPr marL="285750" indent="-285750">
+              <a:buFontTx/>
+              <a:buChar char="-"/>
+            </a:pPr>
+            <a:r>
+              <a:rPr lang="en-US"/>
+              <a:t>Mọi thứ đều minh bạch và rõ ràng.</a:t>
+            </a:r>
+          </a:p>
+          <a:p>
+            <a:pPr marL="285750" indent="-285750">
+              <a:buFontTx/>
+              <a:buChar char="-"/>
+            </a:pPr>
+            <a:r>
+              <a:rPr lang="en-US" i="1"/>
+              <a:t>Giả lập 1 năm có 365 ngày, 1 ngày có  10 giây.</a:t>
+            </a:r>
+          </a:p>
+        </p:txBody>
+      </p:sp>
+      <p:pic>
+        <p:nvPicPr>
+          <p:cNvPr id="3" name="Picture 2">
+            <a:extLst>
+              <a:ext uri="{FF2B5EF4-FFF2-40B4-BE49-F238E27FC236}">
+                <a16:creationId xmlns:a16="http://schemas.microsoft.com/office/drawing/2014/main" id="{0E01EC58-CC60-4CB6-BA14-B38EF9FC1DC8}"/>
+              </a:ext>
+            </a:extLst>
+          </p:cNvPr>
+          <p:cNvPicPr>
+            <a:picLocks noChangeAspect="1"/>
+          </p:cNvPicPr>
+          <p:nvPr/>
+        </p:nvPicPr>
+        <p:blipFill>
+          <a:blip r:embed="rId2"/>
+          <a:stretch>
+            <a:fillRect/>
+          </a:stretch>
+        </p:blipFill>
+        <p:spPr>
+          <a:xfrm>
+            <a:off x="6615953" y="1276939"/>
+            <a:ext cx="5359628" cy="5114896"/>
+          </a:xfrm>
+          <a:prstGeom prst="rect">
+            <a:avLst/>
+          </a:prstGeom>
+        </p:spPr>
+      </p:pic>
+      <p:pic>
+        <p:nvPicPr>
+          <p:cNvPr id="13" name="Picture 12">
+            <a:extLst>
+              <a:ext uri="{FF2B5EF4-FFF2-40B4-BE49-F238E27FC236}">
+                <a16:creationId xmlns:a16="http://schemas.microsoft.com/office/drawing/2014/main" id="{1733DDA7-03BD-4704-9F88-6AAF23D335E5}"/>
+              </a:ext>
+            </a:extLst>
+          </p:cNvPr>
+          <p:cNvPicPr>
+            <a:picLocks noChangeAspect="1"/>
+          </p:cNvPicPr>
+          <p:nvPr/>
+        </p:nvPicPr>
+        <p:blipFill>
+          <a:blip r:embed="rId3"/>
+          <a:stretch>
+            <a:fillRect/>
+          </a:stretch>
+        </p:blipFill>
+        <p:spPr>
+          <a:xfrm>
+            <a:off x="797859" y="3377549"/>
+            <a:ext cx="4429308" cy="1160057"/>
+          </a:xfrm>
+          <a:prstGeom prst="rect">
+            <a:avLst/>
+          </a:prstGeom>
+        </p:spPr>
+      </p:pic>
+    </p:spTree>
+    <p:extLst>
+      <p:ext uri="{BB962C8B-B14F-4D97-AF65-F5344CB8AC3E}">
+        <p14:creationId xmlns:p14="http://schemas.microsoft.com/office/powerpoint/2010/main" val="2755538412"/>
+      </p:ext>
+    </p:extLst>
+  </p:cSld>
+  <p:clrMapOvr>
+    <a:masterClrMapping/>
+  </p:clrMapOvr>
+  <p:timing>
+    <p:tnLst>
+      <p:par>
+        <p:cTn id="1" dur="indefinite" restart="never" nodeType="tmRoot">
+          <p:childTnLst>
+            <p:seq concurrent="1" nextAc="seek">
+              <p:cTn id="2" dur="indefinite" nodeType="mainSeq">
+                <p:childTnLst>
+                  <p:par>
+                    <p:cTn id="3" fill="hold">
+                      <p:stCondLst>
+                        <p:cond delay="indefinite"/>
+                      </p:stCondLst>
+                      <p:childTnLst>
+                        <p:par>
+                          <p:cTn id="4" fill="hold">
+                            <p:stCondLst>
+                              <p:cond delay="0"/>
+                            </p:stCondLst>
+                            <p:childTnLst>
+                              <p:par>
+                                <p:cTn id="5" presetID="2" presetClass="entr" presetSubtype="4" fill="hold" nodeType="clickEffect">
+                                  <p:stCondLst>
+                                    <p:cond delay="0"/>
+                                  </p:stCondLst>
+                                  <p:childTnLst>
+                                    <p:set>
+                                      <p:cBhvr>
+                                        <p:cTn id="6" dur="1" fill="hold">
+                                          <p:stCondLst>
+                                            <p:cond delay="0"/>
+                                          </p:stCondLst>
+                                        </p:cTn>
+                                        <p:tgtEl>
+                                          <p:spTgt spid="3"/>
+                                        </p:tgtEl>
+                                        <p:attrNameLst>
+                                          <p:attrName>style.visibility</p:attrName>
+                                        </p:attrNameLst>
+                                      </p:cBhvr>
+                                      <p:to>
+                                        <p:strVal val="visible"/>
+                                      </p:to>
+                                    </p:set>
+                                    <p:anim calcmode="lin" valueType="num">
+                                      <p:cBhvr additive="base">
+                                        <p:cTn id="7" dur="500" fill="hold"/>
+                                        <p:tgtEl>
+                                          <p:spTgt spid="3"/>
+                                        </p:tgtEl>
+                                        <p:attrNameLst>
+                                          <p:attrName>ppt_x</p:attrName>
+                                        </p:attrNameLst>
+                                      </p:cBhvr>
+                                      <p:tavLst>
+                                        <p:tav tm="0">
+                                          <p:val>
+                                            <p:strVal val="#ppt_x"/>
+                                          </p:val>
+                                        </p:tav>
+                                        <p:tav tm="100000">
+                                          <p:val>
+                                            <p:strVal val="#ppt_x"/>
+                                          </p:val>
+                                        </p:tav>
+                                      </p:tavLst>
+                                    </p:anim>
+                                    <p:anim calcmode="lin" valueType="num">
+                                      <p:cBhvr additive="base">
+                                        <p:cTn id="8" dur="500" fill="hold"/>
+                                        <p:tgtEl>
+                                          <p:spTgt spid="3"/>
+                                        </p:tgtEl>
+                                        <p:attrNameLst>
+                                          <p:attrName>ppt_y</p:attrName>
+                                        </p:attrNameLst>
+                                      </p:cBhvr>
+                                      <p:tavLst>
+                                        <p:tav tm="0">
+                                          <p:val>
+                                            <p:strVal val="1+#ppt_h/2"/>
+                                          </p:val>
+                                        </p:tav>
+                                        <p:tav tm="100000">
+                                          <p:val>
+                                            <p:strVal val="#ppt_y"/>
+                                          </p:val>
+                                        </p:tav>
+                                      </p:tavLst>
+                                    </p:anim>
+                                  </p:childTnLst>
+                                </p:cTn>
+                              </p:par>
+                            </p:childTnLst>
+                          </p:cTn>
+                        </p:par>
+                      </p:childTnLst>
+                    </p:cTn>
+                  </p:par>
+                  <p:par>
+                    <p:cTn id="9" fill="hold">
+                      <p:stCondLst>
+                        <p:cond delay="indefinite"/>
+                      </p:stCondLst>
+                      <p:childTnLst>
+                        <p:par>
+                          <p:cTn id="10" fill="hold">
+                            <p:stCondLst>
+                              <p:cond delay="0"/>
+                            </p:stCondLst>
+                            <p:childTnLst>
+                              <p:par>
+                                <p:cTn id="11" presetID="10" presetClass="entr" presetSubtype="0" fill="hold" nodeType="clickEffect">
+                                  <p:stCondLst>
+                                    <p:cond delay="0"/>
+                                  </p:stCondLst>
+                                  <p:childTnLst>
+                                    <p:set>
+                                      <p:cBhvr>
+                                        <p:cTn id="12" dur="1" fill="hold">
+                                          <p:stCondLst>
+                                            <p:cond delay="0"/>
+                                          </p:stCondLst>
+                                        </p:cTn>
+                                        <p:tgtEl>
+                                          <p:spTgt spid="13"/>
+                                        </p:tgtEl>
+                                        <p:attrNameLst>
+                                          <p:attrName>style.visibility</p:attrName>
+                                        </p:attrNameLst>
+                                      </p:cBhvr>
+                                      <p:to>
+                                        <p:strVal val="visible"/>
+                                      </p:to>
+                                    </p:set>
+                                    <p:animEffect transition="in" filter="fade">
+                                      <p:cBhvr>
+                                        <p:cTn id="13" dur="500"/>
+                                        <p:tgtEl>
+                                          <p:spTgt spid="13"/>
+                                        </p:tgtEl>
+                                      </p:cBhvr>
+                                    </p:animEffect>
+                                  </p:childTnLst>
+                                </p:cTn>
+                              </p:par>
+                            </p:childTnLst>
+                          </p:cTn>
+                        </p:par>
+                      </p:childTnLst>
+                    </p:cTn>
+                  </p:par>
+                </p:childTnLst>
+              </p:cTn>
+              <p:prevCondLst>
+                <p:cond evt="onPrev" delay="0">
+                  <p:tgtEl>
+                    <p:sldTgt/>
+                  </p:tgtEl>
+                </p:cond>
+              </p:prevCondLst>
+              <p:nextCondLst>
+                <p:cond evt="onNext" delay="0">
+                  <p:tgtEl>
+                    <p:sldTgt/>
+                  </p:tgtEl>
+                </p:cond>
+              </p:nextCondLst>
+            </p:seq>
+          </p:childTnLst>
+        </p:cTn>
+      </p:par>
+    </p:tnLst>
+  </p:timing>
+</p:sld>
+</file>
+
+<file path=ppt/slides/slide13.xml><?xml version="1.0" encoding="utf-8"?>
+<p:sld xmlns:a="http://schemas.openxmlformats.org/drawingml/2006/main" xmlns:r="http://schemas.openxmlformats.org/officeDocument/2006/relationships" xmlns:p="http://schemas.openxmlformats.org/presentationml/2006/main">
+  <p:cSld>
+    <p:spTree>
+      <p:nvGrpSpPr>
+        <p:cNvPr id="1" name=""/>
+        <p:cNvGrpSpPr/>
+        <p:nvPr/>
+      </p:nvGrpSpPr>
+      <p:grpSpPr>
+        <a:xfrm>
+          <a:off x="0" y="0"/>
+          <a:ext cx="0" cy="0"/>
+          <a:chOff x="0" y="0"/>
+          <a:chExt cx="0" cy="0"/>
+        </a:xfrm>
+      </p:grpSpPr>
+      <p:sp>
+        <p:nvSpPr>
+          <p:cNvPr id="5" name="Text Placeholder 4">
+            <a:extLst>
+              <a:ext uri="{FF2B5EF4-FFF2-40B4-BE49-F238E27FC236}">
+                <a16:creationId xmlns:a16="http://schemas.microsoft.com/office/drawing/2014/main" id="{6AEFF686-B726-4D43-98FE-99CEE801585F}"/>
+              </a:ext>
+            </a:extLst>
+          </p:cNvPr>
+          <p:cNvSpPr>
+            <a:spLocks noGrp="1"/>
+          </p:cNvSpPr>
+          <p:nvPr>
+            <p:ph type="body" sz="quarter" idx="10"/>
+          </p:nvPr>
+        </p:nvSpPr>
+        <p:spPr/>
+        <p:txBody>
+          <a:bodyPr/>
+          <a:lstStyle/>
+          <a:p>
+            <a:r>
+              <a:rPr lang="en-US"/>
+              <a:t>Sàn gửi tiết kiệm</a:t>
+            </a:r>
+            <a:endParaRPr lang="en-US" dirty="0"/>
+          </a:p>
+        </p:txBody>
+      </p:sp>
+      <p:pic>
+        <p:nvPicPr>
+          <p:cNvPr id="3" name="Picture 2">
+            <a:extLst>
+              <a:ext uri="{FF2B5EF4-FFF2-40B4-BE49-F238E27FC236}">
+                <a16:creationId xmlns:a16="http://schemas.microsoft.com/office/drawing/2014/main" id="{0E01EC58-CC60-4CB6-BA14-B38EF9FC1DC8}"/>
+              </a:ext>
+            </a:extLst>
+          </p:cNvPr>
+          <p:cNvPicPr>
+            <a:picLocks noChangeAspect="1"/>
+          </p:cNvPicPr>
+          <p:nvPr/>
+        </p:nvPicPr>
+        <p:blipFill>
+          <a:blip r:embed="rId2"/>
+          <a:stretch>
+            <a:fillRect/>
+          </a:stretch>
+        </p:blipFill>
+        <p:spPr>
+          <a:xfrm>
+            <a:off x="6537098" y="1124539"/>
+            <a:ext cx="5359628" cy="5114896"/>
+          </a:xfrm>
+          <a:prstGeom prst="rect">
+            <a:avLst/>
+          </a:prstGeom>
+        </p:spPr>
+      </p:pic>
+      <p:pic>
+        <p:nvPicPr>
+          <p:cNvPr id="13" name="Picture 12">
+            <a:extLst>
+              <a:ext uri="{FF2B5EF4-FFF2-40B4-BE49-F238E27FC236}">
+                <a16:creationId xmlns:a16="http://schemas.microsoft.com/office/drawing/2014/main" id="{1733DDA7-03BD-4704-9F88-6AAF23D335E5}"/>
+              </a:ext>
+            </a:extLst>
+          </p:cNvPr>
+          <p:cNvPicPr>
+            <a:picLocks noChangeAspect="1"/>
+          </p:cNvPicPr>
+          <p:nvPr/>
+        </p:nvPicPr>
+        <p:blipFill>
+          <a:blip r:embed="rId3"/>
+          <a:stretch>
+            <a:fillRect/>
+          </a:stretch>
+        </p:blipFill>
+        <p:spPr>
+          <a:xfrm>
+            <a:off x="610514" y="1125199"/>
+            <a:ext cx="4429308" cy="1160057"/>
+          </a:xfrm>
+          <a:prstGeom prst="rect">
+            <a:avLst/>
+          </a:prstGeom>
+        </p:spPr>
+      </p:pic>
+      <p:sp>
+        <p:nvSpPr>
+          <p:cNvPr id="16" name="TextBox 15">
+            <a:extLst>
+              <a:ext uri="{FF2B5EF4-FFF2-40B4-BE49-F238E27FC236}">
+                <a16:creationId xmlns:a16="http://schemas.microsoft.com/office/drawing/2014/main" id="{8E8635DA-306E-4F52-A66A-68111D495176}"/>
+              </a:ext>
+            </a:extLst>
+          </p:cNvPr>
+          <p:cNvSpPr txBox="1"/>
+          <p:nvPr/>
+        </p:nvSpPr>
+        <p:spPr>
+          <a:xfrm>
+            <a:off x="610514" y="2497969"/>
+            <a:ext cx="5818094" cy="923330"/>
+          </a:xfrm>
+          <a:prstGeom prst="rect">
+            <a:avLst/>
+          </a:prstGeom>
+          <a:noFill/>
+        </p:spPr>
+        <p:txBody>
+          <a:bodyPr wrap="square" rtlCol="0">
+            <a:spAutoFit/>
+          </a:bodyPr>
+          <a:lstStyle/>
+          <a:p>
+            <a:pPr marL="285750" indent="-285750">
+              <a:buFontTx/>
+              <a:buChar char="-"/>
+            </a:pPr>
+            <a:r>
+              <a:rPr lang="en-US"/>
+              <a:t>Ví dụ:</a:t>
+            </a:r>
+          </a:p>
+          <a:p>
+            <a:pPr marL="742950" lvl="1" indent="-285750">
+              <a:buFontTx/>
+              <a:buChar char="-"/>
+            </a:pPr>
+            <a:r>
+              <a:rPr lang="en-US"/>
+              <a:t>Chọn gói 30 ngày với lãi xuất 100% / 365 ngày</a:t>
+            </a:r>
+          </a:p>
+          <a:p>
+            <a:pPr marL="742950" lvl="1" indent="-285750">
+              <a:buFontTx/>
+              <a:buChar char="-"/>
+            </a:pPr>
+            <a:r>
+              <a:rPr lang="en-US"/>
+              <a:t>Số FDT gửi vào 10000</a:t>
+            </a:r>
+          </a:p>
+        </p:txBody>
+      </p:sp>
+      <mc:AlternateContent xmlns:mc="http://schemas.openxmlformats.org/markup-compatibility/2006">
+        <mc:Choice xmlns:a14="http://schemas.microsoft.com/office/drawing/2010/main" Requires="a14">
+          <p:sp>
+            <p:nvSpPr>
+              <p:cNvPr id="17" name="TextBox 16">
+                <a:extLst>
+                  <a:ext uri="{FF2B5EF4-FFF2-40B4-BE49-F238E27FC236}">
+                    <a16:creationId xmlns:a16="http://schemas.microsoft.com/office/drawing/2014/main" id="{BE8D3C27-29BB-4AA1-A166-6EF129E410CE}"/>
+                  </a:ext>
+                </a:extLst>
+              </p:cNvPr>
+              <p:cNvSpPr txBox="1"/>
+              <p:nvPr/>
+            </p:nvSpPr>
+            <p:spPr>
+              <a:xfrm>
+                <a:off x="323529" y="3505165"/>
+                <a:ext cx="6105079" cy="660052"/>
+              </a:xfrm>
+              <a:prstGeom prst="rect">
+                <a:avLst/>
+              </a:prstGeom>
+              <a:noFill/>
+            </p:spPr>
+            <p:txBody>
+              <a:bodyPr wrap="square" rtlCol="0">
+                <a:spAutoFit/>
+              </a:bodyPr>
+              <a:lstStyle/>
+              <a:p>
+                <a:pPr/>
+                <a14:m>
+                  <m:oMathPara xmlns:m="http://schemas.openxmlformats.org/officeDocument/2006/math">
+                    <m:oMathParaPr>
+                      <m:jc m:val="centerGroup"/>
+                    </m:oMathParaPr>
+                    <m:oMath xmlns:m="http://schemas.openxmlformats.org/officeDocument/2006/math">
+                      <m:f>
+                        <m:fPr>
+                          <m:ctrlPr>
+                            <a:rPr lang="en-US" i="1" smtClean="0">
+                              <a:latin typeface="Cambria Math" panose="02040503050406030204" pitchFamily="18" charset="0"/>
+                            </a:rPr>
+                          </m:ctrlPr>
+                        </m:fPr>
+                        <m:num>
+                          <m:r>
+                            <a:rPr lang="en-US" b="0" i="1" smtClean="0">
+                              <a:latin typeface="Cambria Math" panose="02040503050406030204" pitchFamily="18" charset="0"/>
+                            </a:rPr>
+                            <m:t>100</m:t>
+                          </m:r>
+                        </m:num>
+                        <m:den>
+                          <m:r>
+                            <a:rPr lang="en-US" i="1">
+                              <a:latin typeface="Cambria Math" panose="02040503050406030204" pitchFamily="18" charset="0"/>
+                            </a:rPr>
+                            <m:t>𝑦𝑒𝑎𝑟𝑇𝑜𝐷𝑎𝑡𝑒</m:t>
+                          </m:r>
+                          <m:r>
+                            <a:rPr lang="en-US" b="0" i="1" smtClean="0">
+                              <a:latin typeface="Cambria Math" panose="02040503050406030204" pitchFamily="18" charset="0"/>
+                            </a:rPr>
+                            <m:t> ∗ </m:t>
+                          </m:r>
+                          <m:r>
+                            <a:rPr lang="en-US" b="0" i="1" smtClean="0">
+                              <a:latin typeface="Cambria Math" panose="02040503050406030204" pitchFamily="18" charset="0"/>
+                            </a:rPr>
+                            <m:t>100</m:t>
+                          </m:r>
+                        </m:den>
+                      </m:f>
+                      <m:r>
+                        <a:rPr lang="en-US" b="0" i="1" smtClean="0">
+                          <a:latin typeface="Cambria Math" panose="02040503050406030204" pitchFamily="18" charset="0"/>
+                        </a:rPr>
+                        <m:t>=</m:t>
+                      </m:r>
+                      <m:f>
+                        <m:fPr>
+                          <m:ctrlPr>
+                            <a:rPr lang="en-US" b="0" i="1" smtClean="0">
+                              <a:latin typeface="Cambria Math" panose="02040503050406030204" pitchFamily="18" charset="0"/>
+                            </a:rPr>
+                          </m:ctrlPr>
+                        </m:fPr>
+                        <m:num>
+                          <m:r>
+                            <a:rPr lang="en-US" b="0" i="1" smtClean="0">
+                              <a:latin typeface="Cambria Math" panose="02040503050406030204" pitchFamily="18" charset="0"/>
+                            </a:rPr>
+                            <m:t>𝑎𝑝𝑟</m:t>
+                          </m:r>
+                        </m:num>
+                        <m:den>
+                          <m:r>
+                            <a:rPr lang="en-US" b="0" i="1" smtClean="0">
+                              <a:latin typeface="Cambria Math" panose="02040503050406030204" pitchFamily="18" charset="0"/>
+                            </a:rPr>
+                            <m:t>30</m:t>
+                          </m:r>
+                        </m:den>
+                      </m:f>
+                      <m:r>
+                        <a:rPr lang="en-US" b="0" i="1" smtClean="0">
+                          <a:latin typeface="Cambria Math" panose="02040503050406030204" pitchFamily="18" charset="0"/>
+                        </a:rPr>
+                        <m:t>⇒</m:t>
+                      </m:r>
+                      <m:r>
+                        <a:rPr lang="en-US" b="0" i="1" smtClean="0">
+                          <a:latin typeface="Cambria Math" panose="02040503050406030204" pitchFamily="18" charset="0"/>
+                        </a:rPr>
+                        <m:t>𝑎𝑝𝑟</m:t>
+                      </m:r>
+                      <m:r>
+                        <a:rPr lang="en-US" b="0" i="1" smtClean="0">
+                          <a:latin typeface="Cambria Math" panose="02040503050406030204" pitchFamily="18" charset="0"/>
+                        </a:rPr>
+                        <m:t>=</m:t>
+                      </m:r>
+                      <m:f>
+                        <m:fPr>
+                          <m:ctrlPr>
+                            <a:rPr lang="en-US" b="0" i="1" smtClean="0">
+                              <a:latin typeface="Cambria Math" panose="02040503050406030204" pitchFamily="18" charset="0"/>
+                            </a:rPr>
+                          </m:ctrlPr>
+                        </m:fPr>
+                        <m:num>
+                          <m:r>
+                            <a:rPr lang="en-US" i="1">
+                              <a:latin typeface="Cambria Math" panose="02040503050406030204" pitchFamily="18" charset="0"/>
+                            </a:rPr>
+                            <m:t>100</m:t>
+                          </m:r>
+                          <m:r>
+                            <a:rPr lang="en-US" b="0" i="1" smtClean="0">
+                              <a:latin typeface="Cambria Math" panose="02040503050406030204" pitchFamily="18" charset="0"/>
+                            </a:rPr>
+                            <m:t> ∗ </m:t>
+                          </m:r>
+                          <m:r>
+                            <a:rPr lang="en-US" i="1">
+                              <a:latin typeface="Cambria Math" panose="02040503050406030204" pitchFamily="18" charset="0"/>
+                            </a:rPr>
+                            <m:t>30</m:t>
+                          </m:r>
+                        </m:num>
+                        <m:den>
+                          <m:r>
+                            <a:rPr lang="en-US" i="1" smtClean="0">
+                              <a:latin typeface="Cambria Math" panose="02040503050406030204" pitchFamily="18" charset="0"/>
+                            </a:rPr>
+                            <m:t>3</m:t>
+                          </m:r>
+                          <m:r>
+                            <a:rPr lang="en-US" b="0" i="1" smtClean="0">
+                              <a:latin typeface="Cambria Math" panose="02040503050406030204" pitchFamily="18" charset="0"/>
+                            </a:rPr>
+                            <m:t>65∗100</m:t>
+                          </m:r>
+                        </m:den>
+                      </m:f>
+                    </m:oMath>
+                  </m:oMathPara>
+                </a14:m>
+                <a:endParaRPr lang="en-US"/>
+              </a:p>
+            </p:txBody>
+          </p:sp>
+        </mc:Choice>
+        <mc:Fallback>
+          <p:sp>
+            <p:nvSpPr>
+              <p:cNvPr id="17" name="TextBox 16">
+                <a:extLst>
+                  <a:ext uri="{FF2B5EF4-FFF2-40B4-BE49-F238E27FC236}">
+                    <a16:creationId xmlns:a16="http://schemas.microsoft.com/office/drawing/2014/main" id="{BE8D3C27-29BB-4AA1-A166-6EF129E410CE}"/>
+                  </a:ext>
+                </a:extLst>
+              </p:cNvPr>
+              <p:cNvSpPr txBox="1">
+                <a:spLocks noRot="1" noChangeAspect="1" noMove="1" noResize="1" noEditPoints="1" noAdjustHandles="1" noChangeArrowheads="1" noChangeShapeType="1" noTextEdit="1"/>
+              </p:cNvSpPr>
+              <p:nvPr/>
+            </p:nvSpPr>
+            <p:spPr>
+              <a:xfrm>
+                <a:off x="323529" y="3505165"/>
+                <a:ext cx="6105079" cy="660052"/>
+              </a:xfrm>
+              <a:prstGeom prst="rect">
+                <a:avLst/>
+              </a:prstGeom>
+              <a:blipFill>
+                <a:blip r:embed="rId4"/>
+                <a:stretch>
+                  <a:fillRect/>
+                </a:stretch>
+              </a:blipFill>
+            </p:spPr>
+            <p:txBody>
+              <a:bodyPr/>
+              <a:lstStyle/>
+              <a:p>
+                <a:r>
+                  <a:rPr lang="vi-VN">
+                    <a:noFill/>
+                  </a:rPr>
+                  <a:t> </a:t>
+                </a:r>
+              </a:p>
+            </p:txBody>
+          </p:sp>
+        </mc:Fallback>
+      </mc:AlternateContent>
+      <mc:AlternateContent xmlns:mc="http://schemas.openxmlformats.org/markup-compatibility/2006" xmlns:a14="http://schemas.microsoft.com/office/drawing/2010/main">
+        <mc:Choice Requires="a14">
+          <p:sp>
+            <p:nvSpPr>
+              <p:cNvPr id="18" name="TextBox 17">
+                <a:extLst>
+                  <a:ext uri="{FF2B5EF4-FFF2-40B4-BE49-F238E27FC236}">
+                    <a16:creationId xmlns:a16="http://schemas.microsoft.com/office/drawing/2014/main" id="{7C28B890-E2F7-4BD4-BBB0-592E1291DA2E}"/>
+                  </a:ext>
+                </a:extLst>
+              </p:cNvPr>
+              <p:cNvSpPr txBox="1"/>
+              <p:nvPr/>
+            </p:nvSpPr>
+            <p:spPr>
+              <a:xfrm>
+                <a:off x="610514" y="4410646"/>
+                <a:ext cx="5818094" cy="1166794"/>
+              </a:xfrm>
+              <a:prstGeom prst="rect">
+                <a:avLst/>
+              </a:prstGeom>
+              <a:noFill/>
+            </p:spPr>
+            <p:txBody>
+              <a:bodyPr wrap="square" rtlCol="0">
+                <a:spAutoFit/>
+              </a:bodyPr>
+              <a:lstStyle/>
+              <a:p>
+                <a:pPr/>
+                <a14:m>
+                  <m:oMathPara xmlns:m="http://schemas.openxmlformats.org/officeDocument/2006/math">
+                    <m:oMathParaPr>
+                      <m:jc m:val="centerGroup"/>
+                    </m:oMathParaPr>
+                    <m:oMath xmlns:m="http://schemas.openxmlformats.org/officeDocument/2006/math">
+                      <m:r>
+                        <a:rPr lang="en-US" i="1" smtClean="0">
+                          <a:latin typeface="Cambria Math" panose="02040503050406030204" pitchFamily="18" charset="0"/>
+                        </a:rPr>
+                        <m:t>𝑠</m:t>
+                      </m:r>
+                      <m:r>
+                        <a:rPr lang="en-US" b="0" i="1" smtClean="0">
+                          <a:latin typeface="Cambria Math" panose="02040503050406030204" pitchFamily="18" charset="0"/>
+                        </a:rPr>
+                        <m:t>ố </m:t>
+                      </m:r>
+                      <m:r>
+                        <a:rPr lang="en-US" b="0" i="1" smtClean="0">
+                          <a:latin typeface="Cambria Math" panose="02040503050406030204" pitchFamily="18" charset="0"/>
+                        </a:rPr>
+                        <m:t>𝑡𝑜𝑘𝑒𝑛</m:t>
+                      </m:r>
+                      <m:r>
+                        <a:rPr lang="en-US" b="0" i="1" smtClean="0">
+                          <a:latin typeface="Cambria Math" panose="02040503050406030204" pitchFamily="18" charset="0"/>
+                        </a:rPr>
+                        <m:t> </m:t>
+                      </m:r>
+                      <m:r>
+                        <a:rPr lang="en-US" b="0" i="1" smtClean="0">
+                          <a:latin typeface="Cambria Math" panose="02040503050406030204" pitchFamily="18" charset="0"/>
+                        </a:rPr>
+                        <m:t>𝑙</m:t>
+                      </m:r>
+                      <m:r>
+                        <a:rPr lang="en-US" b="0" i="1" smtClean="0">
+                          <a:latin typeface="Cambria Math" panose="02040503050406030204" pitchFamily="18" charset="0"/>
+                        </a:rPr>
+                        <m:t>ã</m:t>
+                      </m:r>
+                      <m:r>
+                        <a:rPr lang="en-US" b="0" i="1" smtClean="0">
+                          <a:latin typeface="Cambria Math" panose="02040503050406030204" pitchFamily="18" charset="0"/>
+                        </a:rPr>
+                        <m:t>𝑖</m:t>
+                      </m:r>
+                      <m:r>
+                        <a:rPr lang="en-US" b="0" i="1" smtClean="0">
+                          <a:latin typeface="Cambria Math" panose="02040503050406030204" pitchFamily="18" charset="0"/>
+                        </a:rPr>
+                        <m:t>=</m:t>
+                      </m:r>
+                      <m:r>
+                        <a:rPr lang="en-US" b="0" i="1" smtClean="0">
+                          <a:latin typeface="Cambria Math" panose="02040503050406030204" pitchFamily="18" charset="0"/>
+                        </a:rPr>
+                        <m:t>𝑠</m:t>
+                      </m:r>
+                      <m:r>
+                        <a:rPr lang="en-US" b="0" i="1" smtClean="0">
+                          <a:latin typeface="Cambria Math" panose="02040503050406030204" pitchFamily="18" charset="0"/>
+                        </a:rPr>
+                        <m:t>ố </m:t>
+                      </m:r>
+                      <m:r>
+                        <a:rPr lang="en-US" b="0" i="1" smtClean="0">
+                          <a:latin typeface="Cambria Math" panose="02040503050406030204" pitchFamily="18" charset="0"/>
+                        </a:rPr>
+                        <m:t>𝑡𝑜𝑘𝑒𝑛</m:t>
+                      </m:r>
+                      <m:r>
+                        <a:rPr lang="en-US" b="0" i="1" smtClean="0">
+                          <a:latin typeface="Cambria Math" panose="02040503050406030204" pitchFamily="18" charset="0"/>
+                        </a:rPr>
+                        <m:t> đã </m:t>
+                      </m:r>
+                      <m:r>
+                        <a:rPr lang="en-US" b="0" i="1" smtClean="0">
+                          <a:latin typeface="Cambria Math" panose="02040503050406030204" pitchFamily="18" charset="0"/>
+                        </a:rPr>
+                        <m:t>𝑔</m:t>
+                      </m:r>
+                      <m:r>
+                        <a:rPr lang="en-US" b="0" i="1" smtClean="0">
+                          <a:latin typeface="Cambria Math" panose="02040503050406030204" pitchFamily="18" charset="0"/>
+                        </a:rPr>
+                        <m:t>ử</m:t>
+                      </m:r>
+                      <m:r>
+                        <a:rPr lang="en-US" b="0" i="1" smtClean="0">
+                          <a:latin typeface="Cambria Math" panose="02040503050406030204" pitchFamily="18" charset="0"/>
+                        </a:rPr>
+                        <m:t>𝑖</m:t>
+                      </m:r>
+                      <m:r>
+                        <a:rPr lang="en-US" b="0" i="1" smtClean="0">
+                          <a:latin typeface="Cambria Math" panose="02040503050406030204" pitchFamily="18" charset="0"/>
+                        </a:rPr>
+                        <m:t> ∗</m:t>
+                      </m:r>
+                      <m:r>
+                        <a:rPr lang="en-US" b="0" i="1" smtClean="0">
+                          <a:latin typeface="Cambria Math" panose="02040503050406030204" pitchFamily="18" charset="0"/>
+                        </a:rPr>
+                        <m:t>𝑎𝑝𝑟</m:t>
+                      </m:r>
+                    </m:oMath>
+                    <m:oMath xmlns:m="http://schemas.openxmlformats.org/officeDocument/2006/math">
+                      <m:r>
+                        <a:rPr lang="en-US" b="0" i="0" smtClean="0">
+                          <a:latin typeface="Cambria Math" panose="02040503050406030204" pitchFamily="18" charset="0"/>
+                        </a:rPr>
+                        <m:t>= </m:t>
+                      </m:r>
+                      <m:r>
+                        <a:rPr lang="en-US" b="0" i="1" smtClean="0">
+                          <a:latin typeface="Cambria Math" panose="02040503050406030204" pitchFamily="18" charset="0"/>
+                        </a:rPr>
+                        <m:t>10000 ∗</m:t>
+                      </m:r>
+                      <m:f>
+                        <m:fPr>
+                          <m:ctrlPr>
+                            <a:rPr lang="en-US" b="0" i="1" smtClean="0">
+                              <a:latin typeface="Cambria Math" panose="02040503050406030204" pitchFamily="18" charset="0"/>
+                            </a:rPr>
+                          </m:ctrlPr>
+                        </m:fPr>
+                        <m:num>
+                          <m:r>
+                            <a:rPr lang="en-US" i="1">
+                              <a:latin typeface="Cambria Math" panose="02040503050406030204" pitchFamily="18" charset="0"/>
+                            </a:rPr>
+                            <m:t>100</m:t>
+                          </m:r>
+                          <m:r>
+                            <a:rPr lang="en-US" b="0" i="1" smtClean="0">
+                              <a:latin typeface="Cambria Math" panose="02040503050406030204" pitchFamily="18" charset="0"/>
+                            </a:rPr>
+                            <m:t> ∗ </m:t>
+                          </m:r>
+                          <m:r>
+                            <a:rPr lang="en-US" i="1">
+                              <a:latin typeface="Cambria Math" panose="02040503050406030204" pitchFamily="18" charset="0"/>
+                            </a:rPr>
+                            <m:t>30</m:t>
+                          </m:r>
+                        </m:num>
+                        <m:den>
+                          <m:r>
+                            <a:rPr lang="en-US" i="1">
+                              <a:latin typeface="Cambria Math" panose="02040503050406030204" pitchFamily="18" charset="0"/>
+                            </a:rPr>
+                            <m:t>365</m:t>
+                          </m:r>
+                          <m:r>
+                            <a:rPr lang="en-US" b="0" i="1" smtClean="0">
+                              <a:latin typeface="Cambria Math" panose="02040503050406030204" pitchFamily="18" charset="0"/>
+                            </a:rPr>
+                            <m:t>∗ </m:t>
+                          </m:r>
+                          <m:r>
+                            <a:rPr lang="en-US" i="1">
+                              <a:latin typeface="Cambria Math" panose="02040503050406030204" pitchFamily="18" charset="0"/>
+                            </a:rPr>
+                            <m:t>100</m:t>
+                          </m:r>
+                        </m:den>
+                      </m:f>
+                      <m:r>
+                        <a:rPr lang="en-US" b="0" i="1" smtClean="0">
+                          <a:latin typeface="Cambria Math" panose="02040503050406030204" pitchFamily="18" charset="0"/>
+                        </a:rPr>
+                        <m:t>=</m:t>
+                      </m:r>
+                      <m:d>
+                        <m:dPr>
+                          <m:ctrlPr>
+                            <a:rPr lang="en-US" i="1">
+                              <a:latin typeface="Cambria Math" panose="02040503050406030204" pitchFamily="18" charset="0"/>
+                            </a:rPr>
+                          </m:ctrlPr>
+                        </m:dPr>
+                        <m:e>
+                          <m:r>
+                            <a:rPr lang="en-US" i="1">
+                              <a:latin typeface="Cambria Math" panose="02040503050406030204" pitchFamily="18" charset="0"/>
+                            </a:rPr>
+                            <m:t>10000 ∗100 ∗30</m:t>
+                          </m:r>
+                        </m:e>
+                      </m:d>
+                      <m:r>
+                        <a:rPr lang="en-US" i="1">
+                          <a:latin typeface="Cambria Math" panose="02040503050406030204" pitchFamily="18" charset="0"/>
+                        </a:rPr>
+                        <m:t>/(365∗100)</m:t>
+                      </m:r>
+                    </m:oMath>
+                  </m:oMathPara>
+                </a14:m>
+                <a:endParaRPr lang="en-US"/>
+              </a:p>
+            </p:txBody>
+          </p:sp>
+        </mc:Choice>
+        <mc:Fallback xmlns="">
+          <p:sp>
+            <p:nvSpPr>
+              <p:cNvPr id="18" name="TextBox 17">
+                <a:extLst>
+                  <a:ext uri="{FF2B5EF4-FFF2-40B4-BE49-F238E27FC236}">
+                    <a16:creationId xmlns:a16="http://schemas.microsoft.com/office/drawing/2014/main" id="{7C28B890-E2F7-4BD4-BBB0-592E1291DA2E}"/>
+                  </a:ext>
+                </a:extLst>
+              </p:cNvPr>
+              <p:cNvSpPr txBox="1">
+                <a:spLocks noRot="1" noChangeAspect="1" noMove="1" noResize="1" noEditPoints="1" noAdjustHandles="1" noChangeArrowheads="1" noChangeShapeType="1" noTextEdit="1"/>
+              </p:cNvSpPr>
+              <p:nvPr/>
+            </p:nvSpPr>
+            <p:spPr>
+              <a:xfrm>
+                <a:off x="610514" y="4410646"/>
+                <a:ext cx="5818094" cy="1166794"/>
+              </a:xfrm>
+              <a:prstGeom prst="rect">
+                <a:avLst/>
+              </a:prstGeom>
+              <a:blipFill>
+                <a:blip r:embed="rId5"/>
+                <a:stretch>
+                  <a:fillRect b="-4188"/>
+                </a:stretch>
+              </a:blipFill>
+            </p:spPr>
+            <p:txBody>
+              <a:bodyPr/>
+              <a:lstStyle/>
+              <a:p>
+                <a:r>
+                  <a:rPr lang="vi-VN">
+                    <a:noFill/>
+                  </a:rPr>
+                  <a:t> </a:t>
+                </a:r>
+              </a:p>
+            </p:txBody>
+          </p:sp>
+        </mc:Fallback>
+      </mc:AlternateContent>
+    </p:spTree>
+    <p:extLst>
+      <p:ext uri="{BB962C8B-B14F-4D97-AF65-F5344CB8AC3E}">
+        <p14:creationId xmlns:p14="http://schemas.microsoft.com/office/powerpoint/2010/main" val="1603020668"/>
+      </p:ext>
+    </p:extLst>
+  </p:cSld>
+  <p:clrMapOvr>
+    <a:masterClrMapping/>
+  </p:clrMapOvr>
+  <p:timing>
+    <p:tnLst>
+      <p:par>
+        <p:cTn id="1" dur="indefinite" restart="never" nodeType="tmRoot">
+          <p:childTnLst>
+            <p:seq concurrent="1" nextAc="seek">
+              <p:cTn id="2" dur="indefinite" nodeType="mainSeq">
+                <p:childTnLst>
+                  <p:par>
+                    <p:cTn id="3" fill="hold">
+                      <p:stCondLst>
+                        <p:cond delay="indefinite"/>
+                      </p:stCondLst>
+                      <p:childTnLst>
+                        <p:par>
+                          <p:cTn id="4" fill="hold">
+                            <p:stCondLst>
+                              <p:cond delay="0"/>
+                            </p:stCondLst>
+                            <p:childTnLst>
+                              <p:par>
+                                <p:cTn id="5" presetID="42" presetClass="entr" presetSubtype="0" fill="hold" grpId="0" nodeType="clickEffect">
+                                  <p:stCondLst>
+                                    <p:cond delay="0"/>
+                                  </p:stCondLst>
+                                  <p:childTnLst>
+                                    <p:set>
+                                      <p:cBhvr>
+                                        <p:cTn id="6" dur="1" fill="hold">
+                                          <p:stCondLst>
+                                            <p:cond delay="0"/>
+                                          </p:stCondLst>
+                                        </p:cTn>
+                                        <p:tgtEl>
+                                          <p:spTgt spid="16"/>
+                                        </p:tgtEl>
+                                        <p:attrNameLst>
+                                          <p:attrName>style.visibility</p:attrName>
+                                        </p:attrNameLst>
+                                      </p:cBhvr>
+                                      <p:to>
+                                        <p:strVal val="visible"/>
+                                      </p:to>
+                                    </p:set>
+                                    <p:animEffect transition="in" filter="fade">
+                                      <p:cBhvr>
+                                        <p:cTn id="7" dur="1000"/>
+                                        <p:tgtEl>
+                                          <p:spTgt spid="16"/>
+                                        </p:tgtEl>
+                                      </p:cBhvr>
+                                    </p:animEffect>
+                                    <p:anim calcmode="lin" valueType="num">
+                                      <p:cBhvr>
+                                        <p:cTn id="8" dur="1000" fill="hold"/>
+                                        <p:tgtEl>
+                                          <p:spTgt spid="16"/>
+                                        </p:tgtEl>
+                                        <p:attrNameLst>
+                                          <p:attrName>ppt_x</p:attrName>
+                                        </p:attrNameLst>
+                                      </p:cBhvr>
+                                      <p:tavLst>
+                                        <p:tav tm="0">
+                                          <p:val>
+                                            <p:strVal val="#ppt_x"/>
+                                          </p:val>
+                                        </p:tav>
+                                        <p:tav tm="100000">
+                                          <p:val>
+                                            <p:strVal val="#ppt_x"/>
+                                          </p:val>
+                                        </p:tav>
+                                      </p:tavLst>
+                                    </p:anim>
+                                    <p:anim calcmode="lin" valueType="num">
+                                      <p:cBhvr>
+                                        <p:cTn id="9" dur="1000" fill="hold"/>
+                                        <p:tgtEl>
+                                          <p:spTgt spid="16"/>
+                                        </p:tgtEl>
+                                        <p:attrNameLst>
+                                          <p:attrName>ppt_y</p:attrName>
+                                        </p:attrNameLst>
+                                      </p:cBhvr>
+                                      <p:tavLst>
+                                        <p:tav tm="0">
+                                          <p:val>
+                                            <p:strVal val="#ppt_y+.1"/>
+                                          </p:val>
+                                        </p:tav>
+                                        <p:tav tm="100000">
+                                          <p:val>
+                                            <p:strVal val="#ppt_y"/>
+                                          </p:val>
+                                        </p:tav>
+                                      </p:tavLst>
+                                    </p:anim>
+                                  </p:childTnLst>
+                                </p:cTn>
+                              </p:par>
+                            </p:childTnLst>
+                          </p:cTn>
+                        </p:par>
+                      </p:childTnLst>
+                    </p:cTn>
+                  </p:par>
+                  <p:par>
+                    <p:cTn id="10" fill="hold">
+                      <p:stCondLst>
+                        <p:cond delay="indefinite"/>
+                      </p:stCondLst>
+                      <p:childTnLst>
+                        <p:par>
+                          <p:cTn id="11" fill="hold">
+                            <p:stCondLst>
+                              <p:cond delay="0"/>
+                            </p:stCondLst>
+                            <p:childTnLst>
+                              <p:par>
+                                <p:cTn id="12" presetID="10" presetClass="entr" presetSubtype="0" fill="hold" grpId="0" nodeType="clickEffect">
+                                  <p:stCondLst>
+                                    <p:cond delay="0"/>
+                                  </p:stCondLst>
+                                  <p:childTnLst>
+                                    <p:set>
+                                      <p:cBhvr>
+                                        <p:cTn id="13" dur="1" fill="hold">
+                                          <p:stCondLst>
+                                            <p:cond delay="0"/>
+                                          </p:stCondLst>
+                                        </p:cTn>
+                                        <p:tgtEl>
+                                          <p:spTgt spid="17"/>
+                                        </p:tgtEl>
+                                        <p:attrNameLst>
+                                          <p:attrName>style.visibility</p:attrName>
+                                        </p:attrNameLst>
+                                      </p:cBhvr>
+                                      <p:to>
+                                        <p:strVal val="visible"/>
+                                      </p:to>
+                                    </p:set>
+                                    <p:animEffect transition="in" filter="fade">
+                                      <p:cBhvr>
+                                        <p:cTn id="14" dur="500"/>
+                                        <p:tgtEl>
+                                          <p:spTgt spid="17"/>
+                                        </p:tgtEl>
+                                      </p:cBhvr>
+                                    </p:animEffect>
+                                  </p:childTnLst>
+                                </p:cTn>
+                              </p:par>
+                            </p:childTnLst>
+                          </p:cTn>
+                        </p:par>
+                      </p:childTnLst>
+                    </p:cTn>
+                  </p:par>
+                  <p:par>
+                    <p:cTn id="15" fill="hold">
+                      <p:stCondLst>
+                        <p:cond delay="indefinite"/>
+                      </p:stCondLst>
+                      <p:childTnLst>
+                        <p:par>
+                          <p:cTn id="16" fill="hold">
+                            <p:stCondLst>
+                              <p:cond delay="0"/>
+                            </p:stCondLst>
+                            <p:childTnLst>
+                              <p:par>
+                                <p:cTn id="17" presetID="10" presetClass="entr" presetSubtype="0" fill="hold" grpId="0" nodeType="clickEffect">
+                                  <p:stCondLst>
+                                    <p:cond delay="0"/>
+                                  </p:stCondLst>
+                                  <p:childTnLst>
+                                    <p:set>
+                                      <p:cBhvr>
+                                        <p:cTn id="18" dur="1" fill="hold">
+                                          <p:stCondLst>
+                                            <p:cond delay="0"/>
+                                          </p:stCondLst>
+                                        </p:cTn>
+                                        <p:tgtEl>
+                                          <p:spTgt spid="18"/>
+                                        </p:tgtEl>
+                                        <p:attrNameLst>
+                                          <p:attrName>style.visibility</p:attrName>
+                                        </p:attrNameLst>
+                                      </p:cBhvr>
+                                      <p:to>
+                                        <p:strVal val="visible"/>
+                                      </p:to>
+                                    </p:set>
+                                    <p:animEffect transition="in" filter="fade">
+                                      <p:cBhvr>
+                                        <p:cTn id="19" dur="500"/>
+                                        <p:tgtEl>
+                                          <p:spTgt spid="18"/>
+                                        </p:tgtEl>
+                                      </p:cBhvr>
+                                    </p:animEffect>
+                                  </p:childTnLst>
+                                </p:cTn>
+                              </p:par>
+                            </p:childTnLst>
+                          </p:cTn>
+                        </p:par>
+                      </p:childTnLst>
+                    </p:cTn>
+                  </p:par>
+                </p:childTnLst>
+              </p:cTn>
+              <p:prevCondLst>
+                <p:cond evt="onPrev" delay="0">
+                  <p:tgtEl>
+                    <p:sldTgt/>
+                  </p:tgtEl>
+                </p:cond>
+              </p:prevCondLst>
+              <p:nextCondLst>
+                <p:cond evt="onNext" delay="0">
+                  <p:tgtEl>
+                    <p:sldTgt/>
+                  </p:tgtEl>
+                </p:cond>
+              </p:nextCondLst>
+            </p:seq>
+          </p:childTnLst>
+        </p:cTn>
+      </p:par>
+    </p:tnLst>
+    <p:bldLst>
+      <p:bldP spid="16" grpId="0"/>
+      <p:bldP spid="17" grpId="0"/>
+      <p:bldP spid="18" grpId="0"/>
+    </p:bldLst>
+  </p:timing>
+</p:sld>
+</file>
+
+<file path=ppt/slides/slide14.xml><?xml version="1.0" encoding="utf-8"?>
+<p:sld xmlns:a="http://schemas.openxmlformats.org/drawingml/2006/main" xmlns:r="http://schemas.openxmlformats.org/officeDocument/2006/relationships" xmlns:p="http://schemas.openxmlformats.org/presentationml/2006/main">
+  <p:cSld>
+    <p:spTree>
+      <p:nvGrpSpPr>
+        <p:cNvPr id="1" name=""/>
+        <p:cNvGrpSpPr/>
+        <p:nvPr/>
+      </p:nvGrpSpPr>
+      <p:grpSpPr>
+        <a:xfrm>
+          <a:off x="0" y="0"/>
+          <a:ext cx="0" cy="0"/>
+          <a:chOff x="0" y="0"/>
+          <a:chExt cx="0" cy="0"/>
+        </a:xfrm>
+      </p:grpSpPr>
+      <p:sp>
+        <p:nvSpPr>
+          <p:cNvPr id="8" name="TextBox 7">
+            <a:extLst>
+              <a:ext uri="{FF2B5EF4-FFF2-40B4-BE49-F238E27FC236}">
+                <a16:creationId xmlns:a16="http://schemas.microsoft.com/office/drawing/2014/main" id="{5CF5BDA4-10C7-46A6-AC30-523A3FC438AC}"/>
+              </a:ext>
+            </a:extLst>
+          </p:cNvPr>
+          <p:cNvSpPr txBox="1"/>
+          <p:nvPr/>
+        </p:nvSpPr>
+        <p:spPr>
+          <a:xfrm>
+            <a:off x="6804532" y="2919185"/>
+            <a:ext cx="4777152" cy="707886"/>
           </a:xfrm>
           <a:prstGeom prst="rect">
             <a:avLst/>
@@ -5183,31 +6594,88 @@
           </a:bodyPr>
           <a:lstStyle/>
           <a:p>
-            <a:pPr algn="ctr"/>
             <a:r>
-              <a:rPr lang="en-US" altLang="ko-KR" sz="6000" dirty="0">
+              <a:rPr lang="en-US" altLang="ko-KR" sz="4000" b="1">
                 <a:solidFill>
                   <a:schemeClr val="bg1"/>
                 </a:solidFill>
+                <a:latin typeface="+mj-lt"/>
                 <a:cs typeface="Arial" pitchFamily="34" charset="0"/>
               </a:rPr>
-              <a:t>THANK YOU</a:t>
+              <a:t>Sàn giao dịch</a:t>
             </a:r>
-            <a:endParaRPr lang="ko-KR" altLang="en-US" sz="6000" dirty="0">
-              <a:solidFill>
-                <a:schemeClr val="bg1"/>
-              </a:solidFill>
-              <a:cs typeface="Arial" pitchFamily="34" charset="0"/>
-            </a:endParaRPr>
+          </a:p>
+        </p:txBody>
+      </p:sp>
+    </p:spTree>
+    <p:extLst>
+      <p:ext uri="{BB962C8B-B14F-4D97-AF65-F5344CB8AC3E}">
+        <p14:creationId xmlns:p14="http://schemas.microsoft.com/office/powerpoint/2010/main" val="7860273"/>
+      </p:ext>
+    </p:extLst>
+  </p:cSld>
+  <p:clrMapOvr>
+    <a:masterClrMapping/>
+  </p:clrMapOvr>
+</p:sld>
+</file>
+
+<file path=ppt/slides/slide15.xml><?xml version="1.0" encoding="utf-8"?>
+<p:sld xmlns:a="http://schemas.openxmlformats.org/drawingml/2006/main" xmlns:r="http://schemas.openxmlformats.org/officeDocument/2006/relationships" xmlns:p="http://schemas.openxmlformats.org/presentationml/2006/main">
+  <p:cSld>
+    <p:spTree>
+      <p:nvGrpSpPr>
+        <p:cNvPr id="1" name=""/>
+        <p:cNvGrpSpPr/>
+        <p:nvPr/>
+      </p:nvGrpSpPr>
+      <p:grpSpPr>
+        <a:xfrm>
+          <a:off x="0" y="0"/>
+          <a:ext cx="0" cy="0"/>
+          <a:chOff x="0" y="0"/>
+          <a:chExt cx="0" cy="0"/>
+        </a:xfrm>
+      </p:grpSpPr>
+      <p:sp>
+        <p:nvSpPr>
+          <p:cNvPr id="5" name="Text Placeholder 4">
+            <a:extLst>
+              <a:ext uri="{FF2B5EF4-FFF2-40B4-BE49-F238E27FC236}">
+                <a16:creationId xmlns:a16="http://schemas.microsoft.com/office/drawing/2014/main" id="{6AEFF686-B726-4D43-98FE-99CEE801585F}"/>
+              </a:ext>
+            </a:extLst>
+          </p:cNvPr>
+          <p:cNvSpPr>
+            <a:spLocks noGrp="1"/>
+          </p:cNvSpPr>
+          <p:nvPr>
+            <p:ph type="body" sz="quarter" idx="10"/>
+          </p:nvPr>
+        </p:nvSpPr>
+        <p:spPr/>
+        <p:txBody>
+          <a:bodyPr/>
+          <a:lstStyle/>
+          <a:p>
+            <a:r>
+              <a:rPr lang="en-US" dirty="0" err="1"/>
+              <a:t>Sàn</a:t>
+            </a:r>
+            <a:r>
+              <a:rPr lang="en-US"/>
+              <a:t> giao dịch</a:t>
+            </a:r>
+            <a:endParaRPr lang="en-US" dirty="0"/>
           </a:p>
         </p:txBody>
       </p:sp>
       <p:sp>
         <p:nvSpPr>
-          <p:cNvPr id="5" name="TextBox 4">
+          <p:cNvPr id="7" name="TextBox 6">
             <a:extLst>
               <a:ext uri="{FF2B5EF4-FFF2-40B4-BE49-F238E27FC236}">
-                <a16:creationId xmlns:a16="http://schemas.microsoft.com/office/drawing/2014/main" id="{BADEB2CA-D11F-4CA5-BC5A-6C38FF4BF392}"/>
+                <a16:creationId xmlns:a16="http://schemas.microsoft.com/office/drawing/2014/main" id="{1ABD9EAF-A9F9-4316-AD0E-7E9D6864B3F3}"/>
               </a:ext>
             </a:extLst>
           </p:cNvPr>
@@ -5216,8 +6684,128 @@
         </p:nvSpPr>
         <p:spPr>
           <a:xfrm>
-            <a:off x="51" y="5549312"/>
-            <a:ext cx="12191852" cy="379656"/>
+            <a:off x="475129" y="2492189"/>
+            <a:ext cx="6194612" cy="1200329"/>
+          </a:xfrm>
+          <a:prstGeom prst="rect">
+            <a:avLst/>
+          </a:prstGeom>
+          <a:noFill/>
+        </p:spPr>
+        <p:txBody>
+          <a:bodyPr wrap="square" rtlCol="0">
+            <a:spAutoFit/>
+          </a:bodyPr>
+          <a:lstStyle/>
+          <a:p>
+            <a:pPr marL="285750" indent="-285750">
+              <a:buFontTx/>
+              <a:buChar char="-"/>
+            </a:pPr>
+            <a:r>
+              <a:rPr lang="en-US"/>
+              <a:t>Fishdom Market được tạo ra với mục đích cho người chơi có thể giao dịch FDF với phí chỉ 5% / giá FDF.</a:t>
+            </a:r>
+          </a:p>
+          <a:p>
+            <a:pPr marL="285750" indent="-285750">
+              <a:buFontTx/>
+              <a:buChar char="-"/>
+            </a:pPr>
+            <a:r>
+              <a:rPr lang="en-US"/>
+              <a:t>Giao dịch P2P, không cần đến bên thứ 3</a:t>
+            </a:r>
+          </a:p>
+          <a:p>
+            <a:pPr marL="285750" indent="-285750">
+              <a:buFontTx/>
+              <a:buChar char="-"/>
+            </a:pPr>
+            <a:r>
+              <a:rPr lang="en-US"/>
+              <a:t>Người chơi có thể tự đăng bán và rút về.</a:t>
+            </a:r>
+            <a:endParaRPr lang="vi-VN"/>
+          </a:p>
+        </p:txBody>
+      </p:sp>
+      <p:pic>
+        <p:nvPicPr>
+          <p:cNvPr id="4" name="Picture 3">
+            <a:extLst>
+              <a:ext uri="{FF2B5EF4-FFF2-40B4-BE49-F238E27FC236}">
+                <a16:creationId xmlns:a16="http://schemas.microsoft.com/office/drawing/2014/main" id="{4EF6BCAC-91E6-478E-9A20-694F45282974}"/>
+              </a:ext>
+            </a:extLst>
+          </p:cNvPr>
+          <p:cNvPicPr>
+            <a:picLocks noChangeAspect="1"/>
+          </p:cNvPicPr>
+          <p:nvPr/>
+        </p:nvPicPr>
+        <p:blipFill>
+          <a:blip r:embed="rId2"/>
+          <a:stretch>
+            <a:fillRect/>
+          </a:stretch>
+        </p:blipFill>
+        <p:spPr>
+          <a:xfrm>
+            <a:off x="6669741" y="1290189"/>
+            <a:ext cx="5047130" cy="5197290"/>
+          </a:xfrm>
+          <a:prstGeom prst="rect">
+            <a:avLst/>
+          </a:prstGeom>
+        </p:spPr>
+      </p:pic>
+    </p:spTree>
+    <p:extLst>
+      <p:ext uri="{BB962C8B-B14F-4D97-AF65-F5344CB8AC3E}">
+        <p14:creationId xmlns:p14="http://schemas.microsoft.com/office/powerpoint/2010/main" val="1421642288"/>
+      </p:ext>
+    </p:extLst>
+  </p:cSld>
+  <p:clrMapOvr>
+    <a:masterClrMapping/>
+  </p:clrMapOvr>
+</p:sld>
+</file>
+
+<file path=ppt/slides/slide16.xml><?xml version="1.0" encoding="utf-8"?>
+<p:sld xmlns:a="http://schemas.openxmlformats.org/drawingml/2006/main" xmlns:r="http://schemas.openxmlformats.org/officeDocument/2006/relationships" xmlns:p="http://schemas.openxmlformats.org/presentationml/2006/main">
+  <p:cSld>
+    <p:spTree>
+      <p:nvGrpSpPr>
+        <p:cNvPr id="1" name=""/>
+        <p:cNvGrpSpPr/>
+        <p:nvPr/>
+      </p:nvGrpSpPr>
+      <p:grpSpPr>
+        <a:xfrm>
+          <a:off x="0" y="0"/>
+          <a:ext cx="0" cy="0"/>
+          <a:chOff x="0" y="0"/>
+          <a:chExt cx="0" cy="0"/>
+        </a:xfrm>
+      </p:grpSpPr>
+      <p:sp>
+        <p:nvSpPr>
+          <p:cNvPr id="8" name="TextBox 7">
+            <a:extLst>
+              <a:ext uri="{FF2B5EF4-FFF2-40B4-BE49-F238E27FC236}">
+                <a16:creationId xmlns:a16="http://schemas.microsoft.com/office/drawing/2014/main" id="{5CF5BDA4-10C7-46A6-AC30-523A3FC438AC}"/>
+              </a:ext>
+            </a:extLst>
+          </p:cNvPr>
+          <p:cNvSpPr txBox="1"/>
+          <p:nvPr/>
+        </p:nvSpPr>
+        <p:spPr>
+          <a:xfrm>
+            <a:off x="6804532" y="2919185"/>
+            <a:ext cx="4777152" cy="707886"/>
           </a:xfrm>
           <a:prstGeom prst="rect">
             <a:avLst/>
@@ -5230,35 +6818,790 @@
           </a:bodyPr>
           <a:lstStyle/>
           <a:p>
-            <a:pPr algn="ctr"/>
             <a:r>
-              <a:rPr lang="en-US" altLang="ko-KR" sz="1867" dirty="0">
+              <a:rPr lang="en-US" altLang="ko-KR" sz="4000" b="1">
                 <a:solidFill>
                   <a:schemeClr val="bg1"/>
                 </a:solidFill>
+                <a:latin typeface="+mj-lt"/>
                 <a:cs typeface="Arial" pitchFamily="34" charset="0"/>
               </a:rPr>
-              <a:t>Insert the Subtitle of Your Presentation</a:t>
+              <a:t>Trò chơi</a:t>
             </a:r>
-            <a:endParaRPr lang="ko-KR" altLang="en-US" sz="1867" dirty="0">
-              <a:solidFill>
-                <a:schemeClr val="bg1"/>
-              </a:solidFill>
-              <a:cs typeface="Arial" pitchFamily="34" charset="0"/>
-            </a:endParaRPr>
           </a:p>
         </p:txBody>
       </p:sp>
     </p:spTree>
     <p:extLst>
       <p:ext uri="{BB962C8B-B14F-4D97-AF65-F5344CB8AC3E}">
-        <p14:creationId xmlns:p14="http://schemas.microsoft.com/office/powerpoint/2010/main" val="821656516"/>
+        <p14:creationId xmlns:p14="http://schemas.microsoft.com/office/powerpoint/2010/main" val="1085936367"/>
       </p:ext>
     </p:extLst>
   </p:cSld>
   <p:clrMapOvr>
     <a:masterClrMapping/>
   </p:clrMapOvr>
+</p:sld>
+</file>
+
+<file path=ppt/slides/slide17.xml><?xml version="1.0" encoding="utf-8"?>
+<p:sld xmlns:a="http://schemas.openxmlformats.org/drawingml/2006/main" xmlns:r="http://schemas.openxmlformats.org/officeDocument/2006/relationships" xmlns:p="http://schemas.openxmlformats.org/presentationml/2006/main">
+  <p:cSld>
+    <p:spTree>
+      <p:nvGrpSpPr>
+        <p:cNvPr id="1" name=""/>
+        <p:cNvGrpSpPr/>
+        <p:nvPr/>
+      </p:nvGrpSpPr>
+      <p:grpSpPr>
+        <a:xfrm>
+          <a:off x="0" y="0"/>
+          <a:ext cx="0" cy="0"/>
+          <a:chOff x="0" y="0"/>
+          <a:chExt cx="0" cy="0"/>
+        </a:xfrm>
+      </p:grpSpPr>
+      <p:sp>
+        <p:nvSpPr>
+          <p:cNvPr id="5" name="Text Placeholder 4">
+            <a:extLst>
+              <a:ext uri="{FF2B5EF4-FFF2-40B4-BE49-F238E27FC236}">
+                <a16:creationId xmlns:a16="http://schemas.microsoft.com/office/drawing/2014/main" id="{6AEFF686-B726-4D43-98FE-99CEE801585F}"/>
+              </a:ext>
+            </a:extLst>
+          </p:cNvPr>
+          <p:cNvSpPr>
+            <a:spLocks noGrp="1"/>
+          </p:cNvSpPr>
+          <p:nvPr>
+            <p:ph type="body" sz="quarter" idx="10"/>
+          </p:nvPr>
+        </p:nvSpPr>
+        <p:spPr/>
+        <p:txBody>
+          <a:bodyPr/>
+          <a:lstStyle/>
+          <a:p>
+            <a:r>
+              <a:rPr lang="en-US"/>
+              <a:t>TRÒ CHƠI</a:t>
+            </a:r>
+            <a:endParaRPr lang="en-US" dirty="0"/>
+          </a:p>
+        </p:txBody>
+      </p:sp>
+      <p:sp>
+        <p:nvSpPr>
+          <p:cNvPr id="7" name="TextBox 6">
+            <a:extLst>
+              <a:ext uri="{FF2B5EF4-FFF2-40B4-BE49-F238E27FC236}">
+                <a16:creationId xmlns:a16="http://schemas.microsoft.com/office/drawing/2014/main" id="{1ABD9EAF-A9F9-4316-AD0E-7E9D6864B3F3}"/>
+              </a:ext>
+            </a:extLst>
+          </p:cNvPr>
+          <p:cNvSpPr txBox="1"/>
+          <p:nvPr/>
+        </p:nvSpPr>
+        <p:spPr>
+          <a:xfrm>
+            <a:off x="600632" y="2313846"/>
+            <a:ext cx="4410635" cy="1477328"/>
+          </a:xfrm>
+          <a:prstGeom prst="rect">
+            <a:avLst/>
+          </a:prstGeom>
+          <a:noFill/>
+        </p:spPr>
+        <p:txBody>
+          <a:bodyPr wrap="square" rtlCol="0">
+            <a:spAutoFit/>
+          </a:bodyPr>
+          <a:lstStyle/>
+          <a:p>
+            <a:pPr marL="285750" indent="-285750">
+              <a:buFontTx/>
+              <a:buChar char="-"/>
+            </a:pPr>
+            <a:r>
+              <a:rPr lang="en-US"/>
+              <a:t>Được tạo ra bằng HTML5 Canvas.</a:t>
+            </a:r>
+          </a:p>
+          <a:p>
+            <a:pPr marL="285750" indent="-285750">
+              <a:buFontTx/>
+              <a:buChar char="-"/>
+            </a:pPr>
+            <a:r>
+              <a:rPr lang="en-US"/>
+              <a:t>Người chơi có thể mua lượt chơi bằng Point.</a:t>
+            </a:r>
+          </a:p>
+          <a:p>
+            <a:pPr marL="285750" indent="-285750">
+              <a:buFontTx/>
+              <a:buChar char="-"/>
+            </a:pPr>
+            <a:r>
+              <a:rPr lang="en-US"/>
+              <a:t>“Play to earn”.</a:t>
+            </a:r>
+          </a:p>
+          <a:p>
+            <a:pPr marL="285750" indent="-285750">
+              <a:buFontTx/>
+              <a:buChar char="-"/>
+            </a:pPr>
+            <a:r>
+              <a:rPr lang="en-US"/>
+              <a:t>Bảng xếp hạng hàng tháng.</a:t>
+            </a:r>
+            <a:endParaRPr lang="vi-VN"/>
+          </a:p>
+        </p:txBody>
+      </p:sp>
+      <p:pic>
+        <p:nvPicPr>
+          <p:cNvPr id="3" name="Picture 2">
+            <a:extLst>
+              <a:ext uri="{FF2B5EF4-FFF2-40B4-BE49-F238E27FC236}">
+                <a16:creationId xmlns:a16="http://schemas.microsoft.com/office/drawing/2014/main" id="{26C30040-7A74-4FD8-B57A-B37706C26CA0}"/>
+              </a:ext>
+            </a:extLst>
+          </p:cNvPr>
+          <p:cNvPicPr>
+            <a:picLocks noChangeAspect="1"/>
+          </p:cNvPicPr>
+          <p:nvPr/>
+        </p:nvPicPr>
+        <p:blipFill>
+          <a:blip r:embed="rId2"/>
+          <a:stretch>
+            <a:fillRect/>
+          </a:stretch>
+        </p:blipFill>
+        <p:spPr>
+          <a:xfrm>
+            <a:off x="5414179" y="1496873"/>
+            <a:ext cx="6482548" cy="4106067"/>
+          </a:xfrm>
+          <a:prstGeom prst="rect">
+            <a:avLst/>
+          </a:prstGeom>
+        </p:spPr>
+      </p:pic>
+    </p:spTree>
+    <p:extLst>
+      <p:ext uri="{BB962C8B-B14F-4D97-AF65-F5344CB8AC3E}">
+        <p14:creationId xmlns:p14="http://schemas.microsoft.com/office/powerpoint/2010/main" val="3397554866"/>
+      </p:ext>
+    </p:extLst>
+  </p:cSld>
+  <p:clrMapOvr>
+    <a:masterClrMapping/>
+  </p:clrMapOvr>
+</p:sld>
+</file>
+
+<file path=ppt/slides/slide18.xml><?xml version="1.0" encoding="utf-8"?>
+<p:sld xmlns:a="http://schemas.openxmlformats.org/drawingml/2006/main" xmlns:r="http://schemas.openxmlformats.org/officeDocument/2006/relationships" xmlns:p="http://schemas.openxmlformats.org/presentationml/2006/main">
+  <p:cSld>
+    <p:spTree>
+      <p:nvGrpSpPr>
+        <p:cNvPr id="1" name=""/>
+        <p:cNvGrpSpPr/>
+        <p:nvPr/>
+      </p:nvGrpSpPr>
+      <p:grpSpPr>
+        <a:xfrm>
+          <a:off x="0" y="0"/>
+          <a:ext cx="0" cy="0"/>
+          <a:chOff x="0" y="0"/>
+          <a:chExt cx="0" cy="0"/>
+        </a:xfrm>
+      </p:grpSpPr>
+      <p:sp>
+        <p:nvSpPr>
+          <p:cNvPr id="5" name="Text Placeholder 4">
+            <a:extLst>
+              <a:ext uri="{FF2B5EF4-FFF2-40B4-BE49-F238E27FC236}">
+                <a16:creationId xmlns:a16="http://schemas.microsoft.com/office/drawing/2014/main" id="{6AEFF686-B726-4D43-98FE-99CEE801585F}"/>
+              </a:ext>
+            </a:extLst>
+          </p:cNvPr>
+          <p:cNvSpPr>
+            <a:spLocks noGrp="1"/>
+          </p:cNvSpPr>
+          <p:nvPr>
+            <p:ph type="body" sz="quarter" idx="10"/>
+          </p:nvPr>
+        </p:nvSpPr>
+        <p:spPr/>
+        <p:txBody>
+          <a:bodyPr/>
+          <a:lstStyle/>
+          <a:p>
+            <a:r>
+              <a:rPr lang="en-US"/>
+              <a:t>Chi tiết</a:t>
+            </a:r>
+            <a:endParaRPr lang="en-US" dirty="0"/>
+          </a:p>
+        </p:txBody>
+      </p:sp>
+      <p:pic>
+        <p:nvPicPr>
+          <p:cNvPr id="4" name="Picture 3">
+            <a:extLst>
+              <a:ext uri="{FF2B5EF4-FFF2-40B4-BE49-F238E27FC236}">
+                <a16:creationId xmlns:a16="http://schemas.microsoft.com/office/drawing/2014/main" id="{243E9A59-B9CC-4130-92F4-FF9C7AFBC676}"/>
+              </a:ext>
+            </a:extLst>
+          </p:cNvPr>
+          <p:cNvPicPr>
+            <a:picLocks noChangeAspect="1"/>
+          </p:cNvPicPr>
+          <p:nvPr/>
+        </p:nvPicPr>
+        <p:blipFill>
+          <a:blip r:embed="rId2"/>
+          <a:stretch>
+            <a:fillRect/>
+          </a:stretch>
+        </p:blipFill>
+        <p:spPr>
+          <a:xfrm>
+            <a:off x="323529" y="1163798"/>
+            <a:ext cx="5476381" cy="3463607"/>
+          </a:xfrm>
+          <a:prstGeom prst="rect">
+            <a:avLst/>
+          </a:prstGeom>
+        </p:spPr>
+      </p:pic>
+      <p:pic>
+        <p:nvPicPr>
+          <p:cNvPr id="12" name="Picture 11">
+            <a:extLst>
+              <a:ext uri="{FF2B5EF4-FFF2-40B4-BE49-F238E27FC236}">
+                <a16:creationId xmlns:a16="http://schemas.microsoft.com/office/drawing/2014/main" id="{FE829924-5BC0-4107-8359-512A33533BEF}"/>
+              </a:ext>
+            </a:extLst>
+          </p:cNvPr>
+          <p:cNvPicPr>
+            <a:picLocks noChangeAspect="1"/>
+          </p:cNvPicPr>
+          <p:nvPr/>
+        </p:nvPicPr>
+        <p:blipFill>
+          <a:blip r:embed="rId3"/>
+          <a:stretch>
+            <a:fillRect/>
+          </a:stretch>
+        </p:blipFill>
+        <p:spPr>
+          <a:xfrm>
+            <a:off x="6908799" y="1195547"/>
+            <a:ext cx="4307708" cy="3400110"/>
+          </a:xfrm>
+          <a:prstGeom prst="rect">
+            <a:avLst/>
+          </a:prstGeom>
+        </p:spPr>
+      </p:pic>
+      <p:sp>
+        <p:nvSpPr>
+          <p:cNvPr id="15" name="TextBox 14">
+            <a:extLst>
+              <a:ext uri="{FF2B5EF4-FFF2-40B4-BE49-F238E27FC236}">
+                <a16:creationId xmlns:a16="http://schemas.microsoft.com/office/drawing/2014/main" id="{DBF7F8DB-A2BD-4A34-A50B-814783AE240F}"/>
+              </a:ext>
+            </a:extLst>
+          </p:cNvPr>
+          <p:cNvSpPr txBox="1"/>
+          <p:nvPr/>
+        </p:nvSpPr>
+        <p:spPr>
+          <a:xfrm>
+            <a:off x="4257963" y="4785290"/>
+            <a:ext cx="5985164" cy="1754326"/>
+          </a:xfrm>
+          <a:prstGeom prst="rect">
+            <a:avLst/>
+          </a:prstGeom>
+          <a:noFill/>
+        </p:spPr>
+        <p:txBody>
+          <a:bodyPr wrap="square" rtlCol="0">
+            <a:spAutoFit/>
+          </a:bodyPr>
+          <a:lstStyle/>
+          <a:p>
+            <a:r>
+              <a:rPr lang="en-US"/>
+              <a:t>var dx = circle1.x – circle2.x</a:t>
+            </a:r>
+          </a:p>
+          <a:p>
+            <a:r>
+              <a:rPr lang="en-US"/>
+              <a:t>var dy = circle1.y – circle2.y</a:t>
+            </a:r>
+            <a:endParaRPr lang="vi-VN"/>
+          </a:p>
+          <a:p>
+            <a:r>
+              <a:rPr lang="en-US"/>
+              <a:t>var distance = Math.sqrt(dx * dx + dy * dy)</a:t>
+            </a:r>
+          </a:p>
+          <a:p>
+            <a:r>
+              <a:rPr lang="en-US"/>
+              <a:t>if (distance &lt; circle1.r + circle2.r) {</a:t>
+            </a:r>
+          </a:p>
+          <a:p>
+            <a:r>
+              <a:rPr lang="en-US"/>
+              <a:t>  // va chạm xảy ra</a:t>
+            </a:r>
+          </a:p>
+          <a:p>
+            <a:r>
+              <a:rPr lang="en-US"/>
+              <a:t>} </a:t>
+            </a:r>
+          </a:p>
+        </p:txBody>
+      </p:sp>
+    </p:spTree>
+    <p:extLst>
+      <p:ext uri="{BB962C8B-B14F-4D97-AF65-F5344CB8AC3E}">
+        <p14:creationId xmlns:p14="http://schemas.microsoft.com/office/powerpoint/2010/main" val="1180794794"/>
+      </p:ext>
+    </p:extLst>
+  </p:cSld>
+  <p:clrMapOvr>
+    <a:masterClrMapping/>
+  </p:clrMapOvr>
+  <p:timing>
+    <p:tnLst>
+      <p:par>
+        <p:cTn id="1" dur="indefinite" restart="never" nodeType="tmRoot">
+          <p:childTnLst>
+            <p:seq concurrent="1" nextAc="seek">
+              <p:cTn id="2" dur="indefinite" nodeType="mainSeq">
+                <p:childTnLst>
+                  <p:par>
+                    <p:cTn id="3" fill="hold">
+                      <p:stCondLst>
+                        <p:cond delay="indefinite"/>
+                      </p:stCondLst>
+                      <p:childTnLst>
+                        <p:par>
+                          <p:cTn id="4" fill="hold">
+                            <p:stCondLst>
+                              <p:cond delay="0"/>
+                            </p:stCondLst>
+                            <p:childTnLst>
+                              <p:par>
+                                <p:cTn id="5" presetID="42" presetClass="entr" presetSubtype="0" fill="hold" nodeType="clickEffect">
+                                  <p:stCondLst>
+                                    <p:cond delay="0"/>
+                                  </p:stCondLst>
+                                  <p:childTnLst>
+                                    <p:set>
+                                      <p:cBhvr>
+                                        <p:cTn id="6" dur="1" fill="hold">
+                                          <p:stCondLst>
+                                            <p:cond delay="0"/>
+                                          </p:stCondLst>
+                                        </p:cTn>
+                                        <p:tgtEl>
+                                          <p:spTgt spid="12"/>
+                                        </p:tgtEl>
+                                        <p:attrNameLst>
+                                          <p:attrName>style.visibility</p:attrName>
+                                        </p:attrNameLst>
+                                      </p:cBhvr>
+                                      <p:to>
+                                        <p:strVal val="visible"/>
+                                      </p:to>
+                                    </p:set>
+                                    <p:animEffect transition="in" filter="fade">
+                                      <p:cBhvr>
+                                        <p:cTn id="7" dur="1000"/>
+                                        <p:tgtEl>
+                                          <p:spTgt spid="12"/>
+                                        </p:tgtEl>
+                                      </p:cBhvr>
+                                    </p:animEffect>
+                                    <p:anim calcmode="lin" valueType="num">
+                                      <p:cBhvr>
+                                        <p:cTn id="8" dur="1000" fill="hold"/>
+                                        <p:tgtEl>
+                                          <p:spTgt spid="12"/>
+                                        </p:tgtEl>
+                                        <p:attrNameLst>
+                                          <p:attrName>ppt_x</p:attrName>
+                                        </p:attrNameLst>
+                                      </p:cBhvr>
+                                      <p:tavLst>
+                                        <p:tav tm="0">
+                                          <p:val>
+                                            <p:strVal val="#ppt_x"/>
+                                          </p:val>
+                                        </p:tav>
+                                        <p:tav tm="100000">
+                                          <p:val>
+                                            <p:strVal val="#ppt_x"/>
+                                          </p:val>
+                                        </p:tav>
+                                      </p:tavLst>
+                                    </p:anim>
+                                    <p:anim calcmode="lin" valueType="num">
+                                      <p:cBhvr>
+                                        <p:cTn id="9" dur="1000" fill="hold"/>
+                                        <p:tgtEl>
+                                          <p:spTgt spid="12"/>
+                                        </p:tgtEl>
+                                        <p:attrNameLst>
+                                          <p:attrName>ppt_y</p:attrName>
+                                        </p:attrNameLst>
+                                      </p:cBhvr>
+                                      <p:tavLst>
+                                        <p:tav tm="0">
+                                          <p:val>
+                                            <p:strVal val="#ppt_y+.1"/>
+                                          </p:val>
+                                        </p:tav>
+                                        <p:tav tm="100000">
+                                          <p:val>
+                                            <p:strVal val="#ppt_y"/>
+                                          </p:val>
+                                        </p:tav>
+                                      </p:tavLst>
+                                    </p:anim>
+                                  </p:childTnLst>
+                                </p:cTn>
+                              </p:par>
+                            </p:childTnLst>
+                          </p:cTn>
+                        </p:par>
+                      </p:childTnLst>
+                    </p:cTn>
+                  </p:par>
+                  <p:par>
+                    <p:cTn id="10" fill="hold">
+                      <p:stCondLst>
+                        <p:cond delay="indefinite"/>
+                      </p:stCondLst>
+                      <p:childTnLst>
+                        <p:par>
+                          <p:cTn id="11" fill="hold">
+                            <p:stCondLst>
+                              <p:cond delay="0"/>
+                            </p:stCondLst>
+                            <p:childTnLst>
+                              <p:par>
+                                <p:cTn id="12" presetID="10" presetClass="entr" presetSubtype="0" fill="hold" grpId="0" nodeType="clickEffect">
+                                  <p:stCondLst>
+                                    <p:cond delay="0"/>
+                                  </p:stCondLst>
+                                  <p:childTnLst>
+                                    <p:set>
+                                      <p:cBhvr>
+                                        <p:cTn id="13" dur="1" fill="hold">
+                                          <p:stCondLst>
+                                            <p:cond delay="0"/>
+                                          </p:stCondLst>
+                                        </p:cTn>
+                                        <p:tgtEl>
+                                          <p:spTgt spid="15"/>
+                                        </p:tgtEl>
+                                        <p:attrNameLst>
+                                          <p:attrName>style.visibility</p:attrName>
+                                        </p:attrNameLst>
+                                      </p:cBhvr>
+                                      <p:to>
+                                        <p:strVal val="visible"/>
+                                      </p:to>
+                                    </p:set>
+                                    <p:animEffect transition="in" filter="fade">
+                                      <p:cBhvr>
+                                        <p:cTn id="14" dur="500"/>
+                                        <p:tgtEl>
+                                          <p:spTgt spid="15"/>
+                                        </p:tgtEl>
+                                      </p:cBhvr>
+                                    </p:animEffect>
+                                  </p:childTnLst>
+                                </p:cTn>
+                              </p:par>
+                            </p:childTnLst>
+                          </p:cTn>
+                        </p:par>
+                      </p:childTnLst>
+                    </p:cTn>
+                  </p:par>
+                </p:childTnLst>
+              </p:cTn>
+              <p:prevCondLst>
+                <p:cond evt="onPrev" delay="0">
+                  <p:tgtEl>
+                    <p:sldTgt/>
+                  </p:tgtEl>
+                </p:cond>
+              </p:prevCondLst>
+              <p:nextCondLst>
+                <p:cond evt="onNext" delay="0">
+                  <p:tgtEl>
+                    <p:sldTgt/>
+                  </p:tgtEl>
+                </p:cond>
+              </p:nextCondLst>
+            </p:seq>
+          </p:childTnLst>
+        </p:cTn>
+      </p:par>
+    </p:tnLst>
+    <p:bldLst>
+      <p:bldP spid="15" grpId="0"/>
+    </p:bldLst>
+  </p:timing>
+</p:sld>
+</file>
+
+<file path=ppt/slides/slide19.xml><?xml version="1.0" encoding="utf-8"?>
+<p:sld xmlns:a="http://schemas.openxmlformats.org/drawingml/2006/main" xmlns:r="http://schemas.openxmlformats.org/officeDocument/2006/relationships" xmlns:p="http://schemas.openxmlformats.org/presentationml/2006/main">
+  <p:cSld>
+    <p:spTree>
+      <p:nvGrpSpPr>
+        <p:cNvPr id="1" name=""/>
+        <p:cNvGrpSpPr/>
+        <p:nvPr/>
+      </p:nvGrpSpPr>
+      <p:grpSpPr>
+        <a:xfrm>
+          <a:off x="0" y="0"/>
+          <a:ext cx="0" cy="0"/>
+          <a:chOff x="0" y="0"/>
+          <a:chExt cx="0" cy="0"/>
+        </a:xfrm>
+      </p:grpSpPr>
+      <p:sp>
+        <p:nvSpPr>
+          <p:cNvPr id="5" name="Text Placeholder 4">
+            <a:extLst>
+              <a:ext uri="{FF2B5EF4-FFF2-40B4-BE49-F238E27FC236}">
+                <a16:creationId xmlns:a16="http://schemas.microsoft.com/office/drawing/2014/main" id="{6AEFF686-B726-4D43-98FE-99CEE801585F}"/>
+              </a:ext>
+            </a:extLst>
+          </p:cNvPr>
+          <p:cNvSpPr>
+            <a:spLocks noGrp="1"/>
+          </p:cNvSpPr>
+          <p:nvPr>
+            <p:ph type="body" sz="quarter" idx="10"/>
+          </p:nvPr>
+        </p:nvSpPr>
+        <p:spPr/>
+        <p:txBody>
+          <a:bodyPr/>
+          <a:lstStyle/>
+          <a:p>
+            <a:r>
+              <a:rPr lang="en-US"/>
+              <a:t>Chi tiết</a:t>
+            </a:r>
+            <a:endParaRPr lang="en-US" dirty="0"/>
+          </a:p>
+        </p:txBody>
+      </p:sp>
+      <p:pic>
+        <p:nvPicPr>
+          <p:cNvPr id="6" name="Picture 5">
+            <a:extLst>
+              <a:ext uri="{FF2B5EF4-FFF2-40B4-BE49-F238E27FC236}">
+                <a16:creationId xmlns:a16="http://schemas.microsoft.com/office/drawing/2014/main" id="{AD17E0FD-7672-4F7F-BC3C-256BB9A9F2E6}"/>
+              </a:ext>
+            </a:extLst>
+          </p:cNvPr>
+          <p:cNvPicPr>
+            <a:picLocks noChangeAspect="1"/>
+          </p:cNvPicPr>
+          <p:nvPr/>
+        </p:nvPicPr>
+        <p:blipFill>
+          <a:blip r:embed="rId2"/>
+          <a:stretch>
+            <a:fillRect/>
+          </a:stretch>
+        </p:blipFill>
+        <p:spPr>
+          <a:xfrm>
+            <a:off x="692439" y="1415313"/>
+            <a:ext cx="5799323" cy="3657917"/>
+          </a:xfrm>
+          <a:prstGeom prst="rect">
+            <a:avLst/>
+          </a:prstGeom>
+        </p:spPr>
+      </p:pic>
+      <p:sp>
+        <p:nvSpPr>
+          <p:cNvPr id="9" name="TextBox 8">
+            <a:extLst>
+              <a:ext uri="{FF2B5EF4-FFF2-40B4-BE49-F238E27FC236}">
+                <a16:creationId xmlns:a16="http://schemas.microsoft.com/office/drawing/2014/main" id="{13BBB83A-4A82-49DE-AD80-C926FA8D840E}"/>
+              </a:ext>
+            </a:extLst>
+          </p:cNvPr>
+          <p:cNvSpPr txBox="1"/>
+          <p:nvPr/>
+        </p:nvSpPr>
+        <p:spPr>
+          <a:xfrm>
+            <a:off x="6955271" y="1951672"/>
+            <a:ext cx="4451928" cy="1477328"/>
+          </a:xfrm>
+          <a:prstGeom prst="rect">
+            <a:avLst/>
+          </a:prstGeom>
+          <a:noFill/>
+        </p:spPr>
+        <p:txBody>
+          <a:bodyPr wrap="square" rtlCol="0">
+            <a:spAutoFit/>
+          </a:bodyPr>
+          <a:lstStyle/>
+          <a:p>
+            <a:r>
+              <a:rPr lang="en-US"/>
+              <a:t>var dx = fish.x – mouse.x</a:t>
+            </a:r>
+          </a:p>
+          <a:p>
+            <a:r>
+              <a:rPr lang="en-US"/>
+              <a:t>var dy = fish.y – mouse.y</a:t>
+            </a:r>
+            <a:endParaRPr lang="vi-VN"/>
+          </a:p>
+          <a:p>
+            <a:r>
+              <a:rPr lang="en-US"/>
+              <a:t>var theta = Math.actan(dy, dx)</a:t>
+            </a:r>
+          </a:p>
+          <a:p>
+            <a:endParaRPr lang="en-US"/>
+          </a:p>
+          <a:p>
+            <a:r>
+              <a:rPr lang="en-US"/>
+              <a:t>ctx.rotate(theta)</a:t>
+            </a:r>
+          </a:p>
+        </p:txBody>
+      </p:sp>
+    </p:spTree>
+    <p:extLst>
+      <p:ext uri="{BB962C8B-B14F-4D97-AF65-F5344CB8AC3E}">
+        <p14:creationId xmlns:p14="http://schemas.microsoft.com/office/powerpoint/2010/main" val="2839597499"/>
+      </p:ext>
+    </p:extLst>
+  </p:cSld>
+  <p:clrMapOvr>
+    <a:masterClrMapping/>
+  </p:clrMapOvr>
+  <p:timing>
+    <p:tnLst>
+      <p:par>
+        <p:cTn id="1" dur="indefinite" restart="never" nodeType="tmRoot">
+          <p:childTnLst>
+            <p:seq concurrent="1" nextAc="seek">
+              <p:cTn id="2" dur="indefinite" nodeType="mainSeq">
+                <p:childTnLst>
+                  <p:par>
+                    <p:cTn id="3" fill="hold">
+                      <p:stCondLst>
+                        <p:cond delay="indefinite"/>
+                      </p:stCondLst>
+                      <p:childTnLst>
+                        <p:par>
+                          <p:cTn id="4" fill="hold">
+                            <p:stCondLst>
+                              <p:cond delay="0"/>
+                            </p:stCondLst>
+                            <p:childTnLst>
+                              <p:par>
+                                <p:cTn id="5" presetID="10" presetClass="entr" presetSubtype="0" fill="hold" grpId="0" nodeType="clickEffect">
+                                  <p:stCondLst>
+                                    <p:cond delay="0"/>
+                                  </p:stCondLst>
+                                  <p:childTnLst>
+                                    <p:set>
+                                      <p:cBhvr>
+                                        <p:cTn id="6" dur="1" fill="hold">
+                                          <p:stCondLst>
+                                            <p:cond delay="0"/>
+                                          </p:stCondLst>
+                                        </p:cTn>
+                                        <p:tgtEl>
+                                          <p:spTgt spid="9"/>
+                                        </p:tgtEl>
+                                        <p:attrNameLst>
+                                          <p:attrName>style.visibility</p:attrName>
+                                        </p:attrNameLst>
+                                      </p:cBhvr>
+                                      <p:to>
+                                        <p:strVal val="visible"/>
+                                      </p:to>
+                                    </p:set>
+                                    <p:animEffect transition="in" filter="fade">
+                                      <p:cBhvr>
+                                        <p:cTn id="7" dur="500"/>
+                                        <p:tgtEl>
+                                          <p:spTgt spid="9"/>
+                                        </p:tgtEl>
+                                      </p:cBhvr>
+                                    </p:animEffect>
+                                  </p:childTnLst>
+                                </p:cTn>
+                              </p:par>
+                            </p:childTnLst>
+                          </p:cTn>
+                        </p:par>
+                      </p:childTnLst>
+                    </p:cTn>
+                  </p:par>
+                </p:childTnLst>
+              </p:cTn>
+              <p:prevCondLst>
+                <p:cond evt="onPrev" delay="0">
+                  <p:tgtEl>
+                    <p:sldTgt/>
+                  </p:tgtEl>
+                </p:cond>
+              </p:prevCondLst>
+              <p:nextCondLst>
+                <p:cond evt="onNext" delay="0">
+                  <p:tgtEl>
+                    <p:sldTgt/>
+                  </p:tgtEl>
+                </p:cond>
+              </p:nextCondLst>
+            </p:seq>
+          </p:childTnLst>
+        </p:cTn>
+      </p:par>
+    </p:tnLst>
+    <p:bldLst>
+      <p:bldP spid="9" grpId="0"/>
+    </p:bldLst>
+  </p:timing>
 </p:sld>
 </file>
 
@@ -5293,7 +7636,7 @@
         </p:nvSpPr>
         <p:spPr>
           <a:xfrm>
-            <a:off x="1012930" y="409631"/>
+            <a:off x="1012930" y="382737"/>
             <a:ext cx="2573771" cy="1754326"/>
           </a:xfrm>
           <a:prstGeom prst="rect">
@@ -6072,7 +8415,7 @@
                   </a:solidFill>
                   <a:cs typeface="Arial" pitchFamily="34" charset="0"/>
                 </a:rPr>
-                <a:t>Bối cản, chi tiết về Fishdom DEFI</a:t>
+                <a:t>Bối cảnh, chi tiết về Fishdom DEFI</a:t>
               </a:r>
               <a:endParaRPr lang="en-US" altLang="ko-KR" sz="1200" dirty="0">
                 <a:solidFill>
@@ -6298,7 +8641,7 @@
                   </a:solidFill>
                   <a:cs typeface="Arial" pitchFamily="34" charset="0"/>
                 </a:rPr>
-                <a:t>Sàn gửi tiết kiệm trong Fishdom DEFI</a:t>
+                <a:t>Sàn gửi tiết kiệm FDT trong Fishdom DEFI</a:t>
               </a:r>
               <a:endParaRPr lang="en-US" altLang="ko-KR" sz="1200" dirty="0">
                 <a:solidFill>
@@ -6411,7 +8754,7 @@
                   </a:solidFill>
                   <a:cs typeface="Arial" pitchFamily="34" charset="0"/>
                 </a:rPr>
-                <a:t>Sàn giao dịch vật phẩm</a:t>
+                <a:t>Sàn giao dịch vật phẩm FDF trong FishdomDEFI</a:t>
               </a:r>
               <a:endParaRPr lang="en-US" altLang="ko-KR" sz="1200" dirty="0">
                 <a:solidFill>
@@ -6700,7 +9043,7 @@
                   </a:solidFill>
                   <a:cs typeface="Arial" pitchFamily="34" charset="0"/>
                 </a:rPr>
-                <a:t>Trò chơi trong Fishdom DEFI. ‘Play to earn’</a:t>
+                <a:t>Trò chơi trong Fishdom DEFI</a:t>
               </a:r>
               <a:endParaRPr lang="en-US" altLang="ko-KR" sz="1200" dirty="0">
                 <a:solidFill>
@@ -6746,7 +9089,7 @@
                   </a:solidFill>
                   <a:cs typeface="Arial" pitchFamily="34" charset="0"/>
                 </a:rPr>
-                <a:t>Game</a:t>
+                <a:t>Trò chơi</a:t>
               </a:r>
               <a:endParaRPr lang="ko-KR" altLang="en-US" sz="2700" b="1" dirty="0">
                 <a:solidFill>
@@ -6762,6 +9105,166 @@
     <p:extLst>
       <p:ext uri="{BB962C8B-B14F-4D97-AF65-F5344CB8AC3E}">
         <p14:creationId xmlns:p14="http://schemas.microsoft.com/office/powerpoint/2010/main" val="3148822504"/>
+      </p:ext>
+    </p:extLst>
+  </p:cSld>
+  <p:clrMapOvr>
+    <a:masterClrMapping/>
+  </p:clrMapOvr>
+</p:sld>
+</file>
+
+<file path=ppt/slides/slide20.xml><?xml version="1.0" encoding="utf-8"?>
+<p:sld xmlns:a="http://schemas.openxmlformats.org/drawingml/2006/main" xmlns:r="http://schemas.openxmlformats.org/officeDocument/2006/relationships" xmlns:p="http://schemas.openxmlformats.org/presentationml/2006/main">
+  <p:cSld>
+    <p:spTree>
+      <p:nvGrpSpPr>
+        <p:cNvPr id="1" name=""/>
+        <p:cNvGrpSpPr/>
+        <p:nvPr/>
+      </p:nvGrpSpPr>
+      <p:grpSpPr>
+        <a:xfrm>
+          <a:off x="0" y="0"/>
+          <a:ext cx="0" cy="0"/>
+          <a:chOff x="0" y="0"/>
+          <a:chExt cx="0" cy="0"/>
+        </a:xfrm>
+      </p:grpSpPr>
+      <p:sp>
+        <p:nvSpPr>
+          <p:cNvPr id="4" name="TextBox 3">
+            <a:extLst>
+              <a:ext uri="{FF2B5EF4-FFF2-40B4-BE49-F238E27FC236}">
+                <a16:creationId xmlns:a16="http://schemas.microsoft.com/office/drawing/2014/main" id="{1DF8EF26-7AD5-4E7F-95B3-9A57CF80C483}"/>
+              </a:ext>
+            </a:extLst>
+          </p:cNvPr>
+          <p:cNvSpPr txBox="1"/>
+          <p:nvPr/>
+        </p:nvSpPr>
+        <p:spPr>
+          <a:xfrm>
+            <a:off x="1" y="4278287"/>
+            <a:ext cx="12191999" cy="1015663"/>
+          </a:xfrm>
+          <a:prstGeom prst="rect">
+            <a:avLst/>
+          </a:prstGeom>
+          <a:noFill/>
+        </p:spPr>
+        <p:txBody>
+          <a:bodyPr wrap="square" rtlCol="0" anchor="ctr">
+            <a:spAutoFit/>
+          </a:bodyPr>
+          <a:lstStyle/>
+          <a:p>
+            <a:pPr algn="ctr"/>
+            <a:r>
+              <a:rPr lang="en-US" altLang="ko-KR" sz="6000" dirty="0">
+                <a:solidFill>
+                  <a:schemeClr val="bg1"/>
+                </a:solidFill>
+                <a:cs typeface="Arial" pitchFamily="34" charset="0"/>
+              </a:rPr>
+              <a:t>THANK YOU</a:t>
+            </a:r>
+            <a:endParaRPr lang="ko-KR" altLang="en-US" sz="6000" dirty="0">
+              <a:solidFill>
+                <a:schemeClr val="bg1"/>
+              </a:solidFill>
+              <a:cs typeface="Arial" pitchFamily="34" charset="0"/>
+            </a:endParaRPr>
+          </a:p>
+        </p:txBody>
+      </p:sp>
+      <p:sp>
+        <p:nvSpPr>
+          <p:cNvPr id="5" name="TextBox 4">
+            <a:extLst>
+              <a:ext uri="{FF2B5EF4-FFF2-40B4-BE49-F238E27FC236}">
+                <a16:creationId xmlns:a16="http://schemas.microsoft.com/office/drawing/2014/main" id="{BADEB2CA-D11F-4CA5-BC5A-6C38FF4BF392}"/>
+              </a:ext>
+            </a:extLst>
+          </p:cNvPr>
+          <p:cNvSpPr txBox="1"/>
+          <p:nvPr/>
+        </p:nvSpPr>
+        <p:spPr>
+          <a:xfrm>
+            <a:off x="206240" y="5409815"/>
+            <a:ext cx="12191852" cy="1241622"/>
+          </a:xfrm>
+          <a:prstGeom prst="rect">
+            <a:avLst/>
+          </a:prstGeom>
+          <a:noFill/>
+        </p:spPr>
+        <p:txBody>
+          <a:bodyPr wrap="square" rtlCol="0" anchor="ctr">
+            <a:spAutoFit/>
+          </a:bodyPr>
+          <a:lstStyle/>
+          <a:p>
+            <a:pPr algn="ctr"/>
+            <a:r>
+              <a:rPr lang="en-US" altLang="ko-KR" sz="1867">
+                <a:solidFill>
+                  <a:schemeClr val="bg1"/>
+                </a:solidFill>
+                <a:cs typeface="Arial" pitchFamily="34" charset="0"/>
+              </a:rPr>
+              <a:t>Contact</a:t>
+            </a:r>
+          </a:p>
+          <a:p>
+            <a:pPr algn="ctr"/>
+            <a:r>
+              <a:rPr lang="en-US" altLang="ko-KR" sz="1867">
+                <a:solidFill>
+                  <a:schemeClr val="bg1"/>
+                </a:solidFill>
+                <a:cs typeface="Arial" pitchFamily="34" charset="0"/>
+              </a:rPr>
+              <a:t>Bùi Huy Tùng</a:t>
+            </a:r>
+          </a:p>
+          <a:p>
+            <a:pPr algn="ctr"/>
+            <a:r>
+              <a:rPr lang="en-US" altLang="ko-KR" sz="1867">
+                <a:solidFill>
+                  <a:schemeClr val="bg1"/>
+                </a:solidFill>
+                <a:cs typeface="Arial" pitchFamily="34" charset="0"/>
+              </a:rPr>
+              <a:t>0913115560</a:t>
+            </a:r>
+          </a:p>
+          <a:p>
+            <a:pPr algn="ctr"/>
+            <a:r>
+              <a:rPr lang="en-US" altLang="ko-KR" sz="1867">
+                <a:solidFill>
+                  <a:schemeClr val="bg1"/>
+                </a:solidFill>
+                <a:cs typeface="Arial" pitchFamily="34" charset="0"/>
+              </a:rPr>
+              <a:t>huytung139@gmail.com</a:t>
+            </a:r>
+            <a:endParaRPr lang="en-US" altLang="ko-KR" sz="1867" dirty="0">
+              <a:solidFill>
+                <a:schemeClr val="bg1"/>
+              </a:solidFill>
+              <a:cs typeface="Arial" pitchFamily="34" charset="0"/>
+            </a:endParaRPr>
+          </a:p>
+        </p:txBody>
+      </p:sp>
+    </p:spTree>
+    <p:extLst>
+      <p:ext uri="{BB962C8B-B14F-4D97-AF65-F5344CB8AC3E}">
+        <p14:creationId xmlns:p14="http://schemas.microsoft.com/office/powerpoint/2010/main" val="821656516"/>
       </p:ext>
     </p:extLst>
   </p:cSld>
@@ -9220,7 +11723,7 @@
                 </a:solidFill>
                 <a:cs typeface="Arial" pitchFamily="34" charset="0"/>
               </a:rPr>
-              <a:t>2006</a:t>
+              <a:t>2022</a:t>
             </a:r>
             <a:endParaRPr lang="ko-KR" altLang="en-US" sz="2000" b="1" dirty="0">
               <a:solidFill>
@@ -9267,7 +11770,7 @@
                 </a:solidFill>
                 <a:cs typeface="Arial" pitchFamily="34" charset="0"/>
               </a:rPr>
-              <a:t>2000</a:t>
+              <a:t>2006</a:t>
             </a:r>
             <a:endParaRPr lang="ko-KR" altLang="en-US" sz="2000" b="1" dirty="0">
               <a:solidFill>
@@ -9504,7 +12007,7 @@
                 </a:solidFill>
                 <a:cs typeface="Arial" charset="0"/>
               </a:rPr>
-              <a:t>2021+</a:t>
+              <a:t>2022+</a:t>
             </a:r>
             <a:endParaRPr lang="ko-KR" altLang="en-US" sz="2000" dirty="0">
               <a:solidFill>
@@ -9597,9 +12100,9 @@
                 </a:solidFill>
                 <a:cs typeface="Arial" pitchFamily="34" charset="0"/>
               </a:rPr>
-              <a:t>Những bản cập nhật mới hơn</a:t>
+              <a:t>Những bản vá &amp; cập nhật</a:t>
             </a:r>
-            <a:endParaRPr lang="ko-KR" altLang="en-US" sz="1200" b="1" dirty="0">
+            <a:endParaRPr lang="ko-KR" altLang="en-US" sz="1200" b="1">
               <a:solidFill>
                 <a:schemeClr val="bg1"/>
               </a:solidFill>
@@ -9670,7 +12173,7 @@
         <p:spPr>
           <a:xfrm>
             <a:off x="5557535" y="1505348"/>
-            <a:ext cx="1056759" cy="461665"/>
+            <a:ext cx="1056759" cy="646331"/>
           </a:xfrm>
           <a:prstGeom prst="rect">
             <a:avLst/>
@@ -9691,14 +12194,8 @@
                 </a:solidFill>
                 <a:cs typeface="Arial" pitchFamily="34" charset="0"/>
               </a:rPr>
-              <a:t>WEB 4.0 ra đời</a:t>
+              <a:t>WEB 3.0 được phát hành</a:t>
             </a:r>
-            <a:endParaRPr lang="ko-KR" altLang="en-US" sz="1200" b="1" dirty="0">
-              <a:solidFill>
-                <a:schemeClr val="bg1"/>
-              </a:solidFill>
-              <a:cs typeface="Arial" pitchFamily="34" charset="0"/>
-            </a:endParaRPr>
           </a:p>
         </p:txBody>
       </p:sp>
@@ -9738,8 +12235,14 @@
                 </a:solidFill>
                 <a:cs typeface="Arial" pitchFamily="34" charset="0"/>
               </a:rPr>
-              <a:t>WEB 3.0 được phát hành</a:t>
+              <a:t>ETHEREUM 2.0 được phát hành</a:t>
             </a:r>
+            <a:endParaRPr lang="ko-KR" altLang="en-US" sz="1200" b="1">
+              <a:solidFill>
+                <a:schemeClr val="bg1"/>
+              </a:solidFill>
+              <a:cs typeface="Arial" pitchFamily="34" charset="0"/>
+            </a:endParaRPr>
           </a:p>
         </p:txBody>
       </p:sp>
@@ -9758,7 +12261,7 @@
         <p:spPr>
           <a:xfrm>
             <a:off x="323529" y="3284876"/>
-            <a:ext cx="11480031" cy="3139321"/>
+            <a:ext cx="11480031" cy="1200329"/>
           </a:xfrm>
           <a:prstGeom prst="rect">
             <a:avLst/>
@@ -9774,33 +12277,6 @@
             <a:r>
               <a:rPr lang="vi-VN"/>
               <a:t>Trong bối cảnh thời đại công nghệ 4.0, chúng ta luôn thấy được sự bùng nổ và cạnh tranh về mặt công nghệ. Trong đó, nổi bật và được ưa chuộng hơn cả, phải nhắc đến công nghệ Blockchain (chuỗi khối) - một công nghệ mới, hướng đến tính minh bạch và xác thức, tạo ra sự tin tưởng, uy tín hàng đầu cho những nhà đầu tư và người dùng.</a:t>
-            </a:r>
-          </a:p>
-          <a:p>
-            <a:endParaRPr lang="vi-VN"/>
-          </a:p>
-          <a:p>
-            <a:r>
-              <a:rPr lang="vi-VN"/>
-              <a:t>Vì vậy Fishdom DEFI đã được ra đời.</a:t>
-            </a:r>
-          </a:p>
-          <a:p>
-            <a:endParaRPr lang="vi-VN"/>
-          </a:p>
-          <a:p>
-            <a:r>
-              <a:rPr lang="vi-VN"/>
-              <a:t>Fishdom DEFI là một sân chơi giải trí, là một hệ sinh thái theo phong cách mới. </a:t>
-            </a:r>
-          </a:p>
-          <a:p>
-            <a:endParaRPr lang="vi-VN"/>
-          </a:p>
-          <a:p>
-            <a:r>
-              <a:rPr lang="vi-VN"/>
-              <a:t>Thậm trí, Fishdom DEFI có thể được coi là một hộ kinh doanh nhỏ. Với nền tảng đã và đang có Fishdom DEFI có thể phát triển lớn mạnh hơn nữa.</a:t>
             </a:r>
           </a:p>
         </p:txBody>
@@ -9840,6 +12316,59 @@
           </a:p>
         </p:txBody>
       </p:sp>
+      <p:sp>
+        <p:nvSpPr>
+          <p:cNvPr id="46" name="TextBox 45">
+            <a:extLst>
+              <a:ext uri="{FF2B5EF4-FFF2-40B4-BE49-F238E27FC236}">
+                <a16:creationId xmlns:a16="http://schemas.microsoft.com/office/drawing/2014/main" id="{8C1BA3E3-722C-4202-89E1-D87E0E90460E}"/>
+              </a:ext>
+            </a:extLst>
+          </p:cNvPr>
+          <p:cNvSpPr txBox="1"/>
+          <p:nvPr/>
+        </p:nvSpPr>
+        <p:spPr>
+          <a:xfrm>
+            <a:off x="308347" y="4696328"/>
+            <a:ext cx="11480031" cy="1754326"/>
+          </a:xfrm>
+          <a:prstGeom prst="rect">
+            <a:avLst/>
+          </a:prstGeom>
+          <a:noFill/>
+        </p:spPr>
+        <p:txBody>
+          <a:bodyPr wrap="square">
+            <a:spAutoFit/>
+          </a:bodyPr>
+          <a:lstStyle/>
+          <a:p>
+            <a:r>
+              <a:rPr lang="vi-VN"/>
+              <a:t>Vì vậy Fishdom DEFI đã được ra đời.</a:t>
+            </a:r>
+          </a:p>
+          <a:p>
+            <a:endParaRPr lang="vi-VN"/>
+          </a:p>
+          <a:p>
+            <a:r>
+              <a:rPr lang="vi-VN"/>
+              <a:t>Fishdom DEFI là một sân chơi giải trí, là một hệ sinh thái theo phong cách mới. </a:t>
+            </a:r>
+          </a:p>
+          <a:p>
+            <a:endParaRPr lang="vi-VN"/>
+          </a:p>
+          <a:p>
+            <a:r>
+              <a:rPr lang="vi-VN"/>
+              <a:t>Thậm trí, Fishdom DEFI có thể được coi là một business. Với nền tảng đã và đang có Fishdom DEFI có thể phát triển lớn mạnh hơn nữa.</a:t>
+            </a:r>
+          </a:p>
+        </p:txBody>
+      </p:sp>
     </p:spTree>
     <p:extLst>
       <p:ext uri="{BB962C8B-B14F-4D97-AF65-F5344CB8AC3E}">
@@ -9850,6 +12379,138 @@
   <p:clrMapOvr>
     <a:masterClrMapping/>
   </p:clrMapOvr>
+  <p:timing>
+    <p:tnLst>
+      <p:par>
+        <p:cTn id="1" dur="indefinite" restart="never" nodeType="tmRoot">
+          <p:childTnLst>
+            <p:seq concurrent="1" nextAc="seek">
+              <p:cTn id="2" dur="indefinite" nodeType="mainSeq">
+                <p:childTnLst>
+                  <p:par>
+                    <p:cTn id="3" fill="hold">
+                      <p:stCondLst>
+                        <p:cond delay="indefinite"/>
+                      </p:stCondLst>
+                      <p:childTnLst>
+                        <p:par>
+                          <p:cTn id="4" fill="hold">
+                            <p:stCondLst>
+                              <p:cond delay="0"/>
+                            </p:stCondLst>
+                            <p:childTnLst>
+                              <p:par>
+                                <p:cTn id="5" presetID="42" presetClass="entr" presetSubtype="0" fill="hold" grpId="0" nodeType="clickEffect">
+                                  <p:stCondLst>
+                                    <p:cond delay="0"/>
+                                  </p:stCondLst>
+                                  <p:childTnLst>
+                                    <p:set>
+                                      <p:cBhvr>
+                                        <p:cTn id="6" dur="1" fill="hold">
+                                          <p:stCondLst>
+                                            <p:cond delay="0"/>
+                                          </p:stCondLst>
+                                        </p:cTn>
+                                        <p:tgtEl>
+                                          <p:spTgt spid="46"/>
+                                        </p:tgtEl>
+                                        <p:attrNameLst>
+                                          <p:attrName>style.visibility</p:attrName>
+                                        </p:attrNameLst>
+                                      </p:cBhvr>
+                                      <p:to>
+                                        <p:strVal val="visible"/>
+                                      </p:to>
+                                    </p:set>
+                                    <p:animEffect transition="in" filter="fade">
+                                      <p:cBhvr>
+                                        <p:cTn id="7" dur="1000"/>
+                                        <p:tgtEl>
+                                          <p:spTgt spid="46"/>
+                                        </p:tgtEl>
+                                      </p:cBhvr>
+                                    </p:animEffect>
+                                    <p:anim calcmode="lin" valueType="num">
+                                      <p:cBhvr>
+                                        <p:cTn id="8" dur="1000" fill="hold"/>
+                                        <p:tgtEl>
+                                          <p:spTgt spid="46"/>
+                                        </p:tgtEl>
+                                        <p:attrNameLst>
+                                          <p:attrName>ppt_x</p:attrName>
+                                        </p:attrNameLst>
+                                      </p:cBhvr>
+                                      <p:tavLst>
+                                        <p:tav tm="0">
+                                          <p:val>
+                                            <p:strVal val="#ppt_x"/>
+                                          </p:val>
+                                        </p:tav>
+                                        <p:tav tm="100000">
+                                          <p:val>
+                                            <p:strVal val="#ppt_x"/>
+                                          </p:val>
+                                        </p:tav>
+                                      </p:tavLst>
+                                    </p:anim>
+                                    <p:anim calcmode="lin" valueType="num">
+                                      <p:cBhvr>
+                                        <p:cTn id="9" dur="1000" fill="hold"/>
+                                        <p:tgtEl>
+                                          <p:spTgt spid="46"/>
+                                        </p:tgtEl>
+                                        <p:attrNameLst>
+                                          <p:attrName>ppt_y</p:attrName>
+                                        </p:attrNameLst>
+                                      </p:cBhvr>
+                                      <p:tavLst>
+                                        <p:tav tm="0">
+                                          <p:val>
+                                            <p:strVal val="#ppt_y+.1"/>
+                                          </p:val>
+                                        </p:tav>
+                                        <p:tav tm="100000">
+                                          <p:val>
+                                            <p:strVal val="#ppt_y"/>
+                                          </p:val>
+                                        </p:tav>
+                                      </p:tavLst>
+                                    </p:anim>
+                                  </p:childTnLst>
+                                </p:cTn>
+                              </p:par>
+                            </p:childTnLst>
+                          </p:cTn>
+                        </p:par>
+                      </p:childTnLst>
+                    </p:cTn>
+                  </p:par>
+                </p:childTnLst>
+              </p:cTn>
+              <p:prevCondLst>
+                <p:cond evt="onPrev" delay="0">
+                  <p:tgtEl>
+                    <p:sldTgt/>
+                  </p:tgtEl>
+                </p:cond>
+              </p:prevCondLst>
+              <p:nextCondLst>
+                <p:cond evt="onNext" delay="0">
+                  <p:tgtEl>
+                    <p:sldTgt/>
+                  </p:tgtEl>
+                </p:cond>
+              </p:nextCondLst>
+            </p:seq>
+          </p:childTnLst>
+        </p:cTn>
+      </p:par>
+    </p:tnLst>
+    <p:bldLst>
+      <p:bldP spid="46" grpId="0"/>
+    </p:bldLst>
+  </p:timing>
 </p:sld>
 </file>
 
@@ -15593,7 +18254,7 @@
                   </a:solidFill>
                   <a:cs typeface="Arial" pitchFamily="34" charset="0"/>
                 </a:rPr>
-                <a:t>Chơi và kiếm FDT.</a:t>
+                <a:t>Dùng FDF để chơi và kiếm FDT.</a:t>
               </a:r>
               <a:endParaRPr lang="ko-KR" altLang="en-US" sz="1200" dirty="0">
                 <a:solidFill>
@@ -16261,6 +18922,630 @@
   <p:clrMapOvr>
     <a:masterClrMapping/>
   </p:clrMapOvr>
+  <p:timing>
+    <p:tnLst>
+      <p:par>
+        <p:cTn id="1" dur="indefinite" restart="never" nodeType="tmRoot">
+          <p:childTnLst>
+            <p:seq concurrent="1" nextAc="seek">
+              <p:cTn id="2" dur="indefinite" nodeType="mainSeq">
+                <p:childTnLst>
+                  <p:par>
+                    <p:cTn id="3" fill="hold">
+                      <p:stCondLst>
+                        <p:cond delay="indefinite"/>
+                      </p:stCondLst>
+                      <p:childTnLst>
+                        <p:par>
+                          <p:cTn id="4" fill="hold">
+                            <p:stCondLst>
+                              <p:cond delay="0"/>
+                            </p:stCondLst>
+                            <p:childTnLst>
+                              <p:par>
+                                <p:cTn id="5" presetID="42" presetClass="entr" presetSubtype="0" fill="hold" nodeType="clickEffect">
+                                  <p:stCondLst>
+                                    <p:cond delay="0"/>
+                                  </p:stCondLst>
+                                  <p:childTnLst>
+                                    <p:set>
+                                      <p:cBhvr>
+                                        <p:cTn id="6" dur="1" fill="hold">
+                                          <p:stCondLst>
+                                            <p:cond delay="0"/>
+                                          </p:stCondLst>
+                                        </p:cTn>
+                                        <p:tgtEl>
+                                          <p:spTgt spid="128"/>
+                                        </p:tgtEl>
+                                        <p:attrNameLst>
+                                          <p:attrName>style.visibility</p:attrName>
+                                        </p:attrNameLst>
+                                      </p:cBhvr>
+                                      <p:to>
+                                        <p:strVal val="visible"/>
+                                      </p:to>
+                                    </p:set>
+                                    <p:animEffect transition="in" filter="fade">
+                                      <p:cBhvr>
+                                        <p:cTn id="7" dur="1000"/>
+                                        <p:tgtEl>
+                                          <p:spTgt spid="128"/>
+                                        </p:tgtEl>
+                                      </p:cBhvr>
+                                    </p:animEffect>
+                                    <p:anim calcmode="lin" valueType="num">
+                                      <p:cBhvr>
+                                        <p:cTn id="8" dur="1000" fill="hold"/>
+                                        <p:tgtEl>
+                                          <p:spTgt spid="128"/>
+                                        </p:tgtEl>
+                                        <p:attrNameLst>
+                                          <p:attrName>ppt_x</p:attrName>
+                                        </p:attrNameLst>
+                                      </p:cBhvr>
+                                      <p:tavLst>
+                                        <p:tav tm="0">
+                                          <p:val>
+                                            <p:strVal val="#ppt_x"/>
+                                          </p:val>
+                                        </p:tav>
+                                        <p:tav tm="100000">
+                                          <p:val>
+                                            <p:strVal val="#ppt_x"/>
+                                          </p:val>
+                                        </p:tav>
+                                      </p:tavLst>
+                                    </p:anim>
+                                    <p:anim calcmode="lin" valueType="num">
+                                      <p:cBhvr>
+                                        <p:cTn id="9" dur="1000" fill="hold"/>
+                                        <p:tgtEl>
+                                          <p:spTgt spid="128"/>
+                                        </p:tgtEl>
+                                        <p:attrNameLst>
+                                          <p:attrName>ppt_y</p:attrName>
+                                        </p:attrNameLst>
+                                      </p:cBhvr>
+                                      <p:tavLst>
+                                        <p:tav tm="0">
+                                          <p:val>
+                                            <p:strVal val="#ppt_y+.1"/>
+                                          </p:val>
+                                        </p:tav>
+                                        <p:tav tm="100000">
+                                          <p:val>
+                                            <p:strVal val="#ppt_y"/>
+                                          </p:val>
+                                        </p:tav>
+                                      </p:tavLst>
+                                    </p:anim>
+                                  </p:childTnLst>
+                                </p:cTn>
+                              </p:par>
+                            </p:childTnLst>
+                          </p:cTn>
+                        </p:par>
+                      </p:childTnLst>
+                    </p:cTn>
+                  </p:par>
+                  <p:par>
+                    <p:cTn id="10" fill="hold">
+                      <p:stCondLst>
+                        <p:cond delay="indefinite"/>
+                      </p:stCondLst>
+                      <p:childTnLst>
+                        <p:par>
+                          <p:cTn id="11" fill="hold">
+                            <p:stCondLst>
+                              <p:cond delay="0"/>
+                            </p:stCondLst>
+                            <p:childTnLst>
+                              <p:par>
+                                <p:cTn id="12" presetID="42" presetClass="entr" presetSubtype="0" fill="hold" nodeType="clickEffect">
+                                  <p:stCondLst>
+                                    <p:cond delay="0"/>
+                                  </p:stCondLst>
+                                  <p:childTnLst>
+                                    <p:set>
+                                      <p:cBhvr>
+                                        <p:cTn id="13" dur="1" fill="hold">
+                                          <p:stCondLst>
+                                            <p:cond delay="0"/>
+                                          </p:stCondLst>
+                                        </p:cTn>
+                                        <p:tgtEl>
+                                          <p:spTgt spid="121"/>
+                                        </p:tgtEl>
+                                        <p:attrNameLst>
+                                          <p:attrName>style.visibility</p:attrName>
+                                        </p:attrNameLst>
+                                      </p:cBhvr>
+                                      <p:to>
+                                        <p:strVal val="visible"/>
+                                      </p:to>
+                                    </p:set>
+                                    <p:animEffect transition="in" filter="fade">
+                                      <p:cBhvr>
+                                        <p:cTn id="14" dur="1000"/>
+                                        <p:tgtEl>
+                                          <p:spTgt spid="121"/>
+                                        </p:tgtEl>
+                                      </p:cBhvr>
+                                    </p:animEffect>
+                                    <p:anim calcmode="lin" valueType="num">
+                                      <p:cBhvr>
+                                        <p:cTn id="15" dur="1000" fill="hold"/>
+                                        <p:tgtEl>
+                                          <p:spTgt spid="121"/>
+                                        </p:tgtEl>
+                                        <p:attrNameLst>
+                                          <p:attrName>ppt_x</p:attrName>
+                                        </p:attrNameLst>
+                                      </p:cBhvr>
+                                      <p:tavLst>
+                                        <p:tav tm="0">
+                                          <p:val>
+                                            <p:strVal val="#ppt_x"/>
+                                          </p:val>
+                                        </p:tav>
+                                        <p:tav tm="100000">
+                                          <p:val>
+                                            <p:strVal val="#ppt_x"/>
+                                          </p:val>
+                                        </p:tav>
+                                      </p:tavLst>
+                                    </p:anim>
+                                    <p:anim calcmode="lin" valueType="num">
+                                      <p:cBhvr>
+                                        <p:cTn id="16" dur="1000" fill="hold"/>
+                                        <p:tgtEl>
+                                          <p:spTgt spid="121"/>
+                                        </p:tgtEl>
+                                        <p:attrNameLst>
+                                          <p:attrName>ppt_y</p:attrName>
+                                        </p:attrNameLst>
+                                      </p:cBhvr>
+                                      <p:tavLst>
+                                        <p:tav tm="0">
+                                          <p:val>
+                                            <p:strVal val="#ppt_y+.1"/>
+                                          </p:val>
+                                        </p:tav>
+                                        <p:tav tm="100000">
+                                          <p:val>
+                                            <p:strVal val="#ppt_y"/>
+                                          </p:val>
+                                        </p:tav>
+                                      </p:tavLst>
+                                    </p:anim>
+                                  </p:childTnLst>
+                                </p:cTn>
+                              </p:par>
+                            </p:childTnLst>
+                          </p:cTn>
+                        </p:par>
+                      </p:childTnLst>
+                    </p:cTn>
+                  </p:par>
+                  <p:par>
+                    <p:cTn id="17" fill="hold">
+                      <p:stCondLst>
+                        <p:cond delay="indefinite"/>
+                      </p:stCondLst>
+                      <p:childTnLst>
+                        <p:par>
+                          <p:cTn id="18" fill="hold">
+                            <p:stCondLst>
+                              <p:cond delay="0"/>
+                            </p:stCondLst>
+                            <p:childTnLst>
+                              <p:par>
+                                <p:cTn id="19" presetID="42" presetClass="entr" presetSubtype="0" fill="hold" nodeType="clickEffect">
+                                  <p:stCondLst>
+                                    <p:cond delay="0"/>
+                                  </p:stCondLst>
+                                  <p:childTnLst>
+                                    <p:set>
+                                      <p:cBhvr>
+                                        <p:cTn id="20" dur="1" fill="hold">
+                                          <p:stCondLst>
+                                            <p:cond delay="0"/>
+                                          </p:stCondLst>
+                                        </p:cTn>
+                                        <p:tgtEl>
+                                          <p:spTgt spid="124"/>
+                                        </p:tgtEl>
+                                        <p:attrNameLst>
+                                          <p:attrName>style.visibility</p:attrName>
+                                        </p:attrNameLst>
+                                      </p:cBhvr>
+                                      <p:to>
+                                        <p:strVal val="visible"/>
+                                      </p:to>
+                                    </p:set>
+                                    <p:animEffect transition="in" filter="fade">
+                                      <p:cBhvr>
+                                        <p:cTn id="21" dur="1000"/>
+                                        <p:tgtEl>
+                                          <p:spTgt spid="124"/>
+                                        </p:tgtEl>
+                                      </p:cBhvr>
+                                    </p:animEffect>
+                                    <p:anim calcmode="lin" valueType="num">
+                                      <p:cBhvr>
+                                        <p:cTn id="22" dur="1000" fill="hold"/>
+                                        <p:tgtEl>
+                                          <p:spTgt spid="124"/>
+                                        </p:tgtEl>
+                                        <p:attrNameLst>
+                                          <p:attrName>ppt_x</p:attrName>
+                                        </p:attrNameLst>
+                                      </p:cBhvr>
+                                      <p:tavLst>
+                                        <p:tav tm="0">
+                                          <p:val>
+                                            <p:strVal val="#ppt_x"/>
+                                          </p:val>
+                                        </p:tav>
+                                        <p:tav tm="100000">
+                                          <p:val>
+                                            <p:strVal val="#ppt_x"/>
+                                          </p:val>
+                                        </p:tav>
+                                      </p:tavLst>
+                                    </p:anim>
+                                    <p:anim calcmode="lin" valueType="num">
+                                      <p:cBhvr>
+                                        <p:cTn id="23" dur="1000" fill="hold"/>
+                                        <p:tgtEl>
+                                          <p:spTgt spid="124"/>
+                                        </p:tgtEl>
+                                        <p:attrNameLst>
+                                          <p:attrName>ppt_y</p:attrName>
+                                        </p:attrNameLst>
+                                      </p:cBhvr>
+                                      <p:tavLst>
+                                        <p:tav tm="0">
+                                          <p:val>
+                                            <p:strVal val="#ppt_y+.1"/>
+                                          </p:val>
+                                        </p:tav>
+                                        <p:tav tm="100000">
+                                          <p:val>
+                                            <p:strVal val="#ppt_y"/>
+                                          </p:val>
+                                        </p:tav>
+                                      </p:tavLst>
+                                    </p:anim>
+                                  </p:childTnLst>
+                                </p:cTn>
+                              </p:par>
+                            </p:childTnLst>
+                          </p:cTn>
+                        </p:par>
+                      </p:childTnLst>
+                    </p:cTn>
+                  </p:par>
+                  <p:par>
+                    <p:cTn id="24" fill="hold">
+                      <p:stCondLst>
+                        <p:cond delay="indefinite"/>
+                      </p:stCondLst>
+                      <p:childTnLst>
+                        <p:par>
+                          <p:cTn id="25" fill="hold">
+                            <p:stCondLst>
+                              <p:cond delay="0"/>
+                            </p:stCondLst>
+                            <p:childTnLst>
+                              <p:par>
+                                <p:cTn id="26" presetID="42" presetClass="entr" presetSubtype="0" fill="hold" nodeType="clickEffect">
+                                  <p:stCondLst>
+                                    <p:cond delay="0"/>
+                                  </p:stCondLst>
+                                  <p:childTnLst>
+                                    <p:set>
+                                      <p:cBhvr>
+                                        <p:cTn id="27" dur="1" fill="hold">
+                                          <p:stCondLst>
+                                            <p:cond delay="0"/>
+                                          </p:stCondLst>
+                                        </p:cTn>
+                                        <p:tgtEl>
+                                          <p:spTgt spid="112"/>
+                                        </p:tgtEl>
+                                        <p:attrNameLst>
+                                          <p:attrName>style.visibility</p:attrName>
+                                        </p:attrNameLst>
+                                      </p:cBhvr>
+                                      <p:to>
+                                        <p:strVal val="visible"/>
+                                      </p:to>
+                                    </p:set>
+                                    <p:animEffect transition="in" filter="fade">
+                                      <p:cBhvr>
+                                        <p:cTn id="28" dur="1000"/>
+                                        <p:tgtEl>
+                                          <p:spTgt spid="112"/>
+                                        </p:tgtEl>
+                                      </p:cBhvr>
+                                    </p:animEffect>
+                                    <p:anim calcmode="lin" valueType="num">
+                                      <p:cBhvr>
+                                        <p:cTn id="29" dur="1000" fill="hold"/>
+                                        <p:tgtEl>
+                                          <p:spTgt spid="112"/>
+                                        </p:tgtEl>
+                                        <p:attrNameLst>
+                                          <p:attrName>ppt_x</p:attrName>
+                                        </p:attrNameLst>
+                                      </p:cBhvr>
+                                      <p:tavLst>
+                                        <p:tav tm="0">
+                                          <p:val>
+                                            <p:strVal val="#ppt_x"/>
+                                          </p:val>
+                                        </p:tav>
+                                        <p:tav tm="100000">
+                                          <p:val>
+                                            <p:strVal val="#ppt_x"/>
+                                          </p:val>
+                                        </p:tav>
+                                      </p:tavLst>
+                                    </p:anim>
+                                    <p:anim calcmode="lin" valueType="num">
+                                      <p:cBhvr>
+                                        <p:cTn id="30" dur="1000" fill="hold"/>
+                                        <p:tgtEl>
+                                          <p:spTgt spid="112"/>
+                                        </p:tgtEl>
+                                        <p:attrNameLst>
+                                          <p:attrName>ppt_y</p:attrName>
+                                        </p:attrNameLst>
+                                      </p:cBhvr>
+                                      <p:tavLst>
+                                        <p:tav tm="0">
+                                          <p:val>
+                                            <p:strVal val="#ppt_y+.1"/>
+                                          </p:val>
+                                        </p:tav>
+                                        <p:tav tm="100000">
+                                          <p:val>
+                                            <p:strVal val="#ppt_y"/>
+                                          </p:val>
+                                        </p:tav>
+                                      </p:tavLst>
+                                    </p:anim>
+                                  </p:childTnLst>
+                                </p:cTn>
+                              </p:par>
+                            </p:childTnLst>
+                          </p:cTn>
+                        </p:par>
+                      </p:childTnLst>
+                    </p:cTn>
+                  </p:par>
+                  <p:par>
+                    <p:cTn id="31" fill="hold">
+                      <p:stCondLst>
+                        <p:cond delay="indefinite"/>
+                      </p:stCondLst>
+                      <p:childTnLst>
+                        <p:par>
+                          <p:cTn id="32" fill="hold">
+                            <p:stCondLst>
+                              <p:cond delay="0"/>
+                            </p:stCondLst>
+                            <p:childTnLst>
+                              <p:par>
+                                <p:cTn id="33" presetID="42" presetClass="entr" presetSubtype="0" fill="hold" nodeType="clickEffect">
+                                  <p:stCondLst>
+                                    <p:cond delay="0"/>
+                                  </p:stCondLst>
+                                  <p:childTnLst>
+                                    <p:set>
+                                      <p:cBhvr>
+                                        <p:cTn id="34" dur="1" fill="hold">
+                                          <p:stCondLst>
+                                            <p:cond delay="0"/>
+                                          </p:stCondLst>
+                                        </p:cTn>
+                                        <p:tgtEl>
+                                          <p:spTgt spid="115"/>
+                                        </p:tgtEl>
+                                        <p:attrNameLst>
+                                          <p:attrName>style.visibility</p:attrName>
+                                        </p:attrNameLst>
+                                      </p:cBhvr>
+                                      <p:to>
+                                        <p:strVal val="visible"/>
+                                      </p:to>
+                                    </p:set>
+                                    <p:animEffect transition="in" filter="fade">
+                                      <p:cBhvr>
+                                        <p:cTn id="35" dur="1000"/>
+                                        <p:tgtEl>
+                                          <p:spTgt spid="115"/>
+                                        </p:tgtEl>
+                                      </p:cBhvr>
+                                    </p:animEffect>
+                                    <p:anim calcmode="lin" valueType="num">
+                                      <p:cBhvr>
+                                        <p:cTn id="36" dur="1000" fill="hold"/>
+                                        <p:tgtEl>
+                                          <p:spTgt spid="115"/>
+                                        </p:tgtEl>
+                                        <p:attrNameLst>
+                                          <p:attrName>ppt_x</p:attrName>
+                                        </p:attrNameLst>
+                                      </p:cBhvr>
+                                      <p:tavLst>
+                                        <p:tav tm="0">
+                                          <p:val>
+                                            <p:strVal val="#ppt_x"/>
+                                          </p:val>
+                                        </p:tav>
+                                        <p:tav tm="100000">
+                                          <p:val>
+                                            <p:strVal val="#ppt_x"/>
+                                          </p:val>
+                                        </p:tav>
+                                      </p:tavLst>
+                                    </p:anim>
+                                    <p:anim calcmode="lin" valueType="num">
+                                      <p:cBhvr>
+                                        <p:cTn id="37" dur="1000" fill="hold"/>
+                                        <p:tgtEl>
+                                          <p:spTgt spid="115"/>
+                                        </p:tgtEl>
+                                        <p:attrNameLst>
+                                          <p:attrName>ppt_y</p:attrName>
+                                        </p:attrNameLst>
+                                      </p:cBhvr>
+                                      <p:tavLst>
+                                        <p:tav tm="0">
+                                          <p:val>
+                                            <p:strVal val="#ppt_y+.1"/>
+                                          </p:val>
+                                        </p:tav>
+                                        <p:tav tm="100000">
+                                          <p:val>
+                                            <p:strVal val="#ppt_y"/>
+                                          </p:val>
+                                        </p:tav>
+                                      </p:tavLst>
+                                    </p:anim>
+                                  </p:childTnLst>
+                                </p:cTn>
+                              </p:par>
+                            </p:childTnLst>
+                          </p:cTn>
+                        </p:par>
+                      </p:childTnLst>
+                    </p:cTn>
+                  </p:par>
+                  <p:par>
+                    <p:cTn id="38" fill="hold">
+                      <p:stCondLst>
+                        <p:cond delay="indefinite"/>
+                      </p:stCondLst>
+                      <p:childTnLst>
+                        <p:par>
+                          <p:cTn id="39" fill="hold">
+                            <p:stCondLst>
+                              <p:cond delay="0"/>
+                            </p:stCondLst>
+                            <p:childTnLst>
+                              <p:par>
+                                <p:cTn id="40" presetID="42" presetClass="entr" presetSubtype="0" fill="hold" nodeType="clickEffect">
+                                  <p:stCondLst>
+                                    <p:cond delay="0"/>
+                                  </p:stCondLst>
+                                  <p:childTnLst>
+                                    <p:set>
+                                      <p:cBhvr>
+                                        <p:cTn id="41" dur="1" fill="hold">
+                                          <p:stCondLst>
+                                            <p:cond delay="0"/>
+                                          </p:stCondLst>
+                                        </p:cTn>
+                                        <p:tgtEl>
+                                          <p:spTgt spid="118"/>
+                                        </p:tgtEl>
+                                        <p:attrNameLst>
+                                          <p:attrName>style.visibility</p:attrName>
+                                        </p:attrNameLst>
+                                      </p:cBhvr>
+                                      <p:to>
+                                        <p:strVal val="visible"/>
+                                      </p:to>
+                                    </p:set>
+                                    <p:animEffect transition="in" filter="fade">
+                                      <p:cBhvr>
+                                        <p:cTn id="42" dur="1000"/>
+                                        <p:tgtEl>
+                                          <p:spTgt spid="118"/>
+                                        </p:tgtEl>
+                                      </p:cBhvr>
+                                    </p:animEffect>
+                                    <p:anim calcmode="lin" valueType="num">
+                                      <p:cBhvr>
+                                        <p:cTn id="43" dur="1000" fill="hold"/>
+                                        <p:tgtEl>
+                                          <p:spTgt spid="118"/>
+                                        </p:tgtEl>
+                                        <p:attrNameLst>
+                                          <p:attrName>ppt_x</p:attrName>
+                                        </p:attrNameLst>
+                                      </p:cBhvr>
+                                      <p:tavLst>
+                                        <p:tav tm="0">
+                                          <p:val>
+                                            <p:strVal val="#ppt_x"/>
+                                          </p:val>
+                                        </p:tav>
+                                        <p:tav tm="100000">
+                                          <p:val>
+                                            <p:strVal val="#ppt_x"/>
+                                          </p:val>
+                                        </p:tav>
+                                      </p:tavLst>
+                                    </p:anim>
+                                    <p:anim calcmode="lin" valueType="num">
+                                      <p:cBhvr>
+                                        <p:cTn id="44" dur="1000" fill="hold"/>
+                                        <p:tgtEl>
+                                          <p:spTgt spid="118"/>
+                                        </p:tgtEl>
+                                        <p:attrNameLst>
+                                          <p:attrName>ppt_y</p:attrName>
+                                        </p:attrNameLst>
+                                      </p:cBhvr>
+                                      <p:tavLst>
+                                        <p:tav tm="0">
+                                          <p:val>
+                                            <p:strVal val="#ppt_y+.1"/>
+                                          </p:val>
+                                        </p:tav>
+                                        <p:tav tm="100000">
+                                          <p:val>
+                                            <p:strVal val="#ppt_y"/>
+                                          </p:val>
+                                        </p:tav>
+                                      </p:tavLst>
+                                    </p:anim>
+                                  </p:childTnLst>
+                                </p:cTn>
+                              </p:par>
+                            </p:childTnLst>
+                          </p:cTn>
+                        </p:par>
+                      </p:childTnLst>
+                    </p:cTn>
+                  </p:par>
+                </p:childTnLst>
+              </p:cTn>
+              <p:prevCondLst>
+                <p:cond evt="onPrev" delay="0">
+                  <p:tgtEl>
+                    <p:sldTgt/>
+                  </p:tgtEl>
+                </p:cond>
+              </p:prevCondLst>
+              <p:nextCondLst>
+                <p:cond evt="onNext" delay="0">
+                  <p:tgtEl>
+                    <p:sldTgt/>
+                  </p:tgtEl>
+                </p:cond>
+              </p:nextCondLst>
+            </p:seq>
+          </p:childTnLst>
+        </p:cTn>
+      </p:par>
+    </p:tnLst>
+  </p:timing>
 </p:sld>
 </file>
 
